--- a/api.pptx
+++ b/api.pptx
@@ -10,7 +10,8 @@
     <p:sldId id="258" r:id="rId4"/>
     <p:sldId id="259" r:id="rId5"/>
     <p:sldId id="260" r:id="rId6"/>
-    <p:sldId id="261" r:id="rId7"/>
+    <p:sldId id="262" r:id="rId7"/>
+    <p:sldId id="261" r:id="rId8"/>
   </p:sldIdLst>
   <p:sldSz cx="12192000" cy="6858000"/>
   <p:notesSz cx="6858000" cy="9144000"/>
@@ -3019,6 +3020,82 @@
         </a:p>
       </dgm:t>
     </dgm:pt>
+    <dgm:pt modelId="{77C6FFE8-7279-49FB-82E0-4A16FD9769E2}">
+      <dgm:prSet/>
+      <dgm:spPr/>
+      <dgm:t>
+        <a:bodyPr/>
+        <a:lstStyle/>
+        <a:p>
+          <a:r>
+            <a:rPr lang="en-US" altLang="zh-TW" dirty="0"/>
+            <a:t>HSV</a:t>
+          </a:r>
+          <a:r>
+            <a:rPr lang="zh-TW" altLang="en-US" dirty="0"/>
+            <a:t>顏色過濾</a:t>
+          </a:r>
+        </a:p>
+      </dgm:t>
+    </dgm:pt>
+    <dgm:pt modelId="{4F7C1586-913E-4A54-AD16-193625C7B581}" type="parTrans" cxnId="{D9F4E3C9-394C-42E7-BA50-8F8DBA29CB7C}">
+      <dgm:prSet/>
+      <dgm:spPr/>
+      <dgm:t>
+        <a:bodyPr/>
+        <a:lstStyle/>
+        <a:p>
+          <a:endParaRPr lang="zh-TW" altLang="en-US"/>
+        </a:p>
+      </dgm:t>
+    </dgm:pt>
+    <dgm:pt modelId="{9A0A7C99-AA16-4A12-82CF-A1E67EE3A972}" type="sibTrans" cxnId="{D9F4E3C9-394C-42E7-BA50-8F8DBA29CB7C}">
+      <dgm:prSet/>
+      <dgm:spPr/>
+      <dgm:t>
+        <a:bodyPr/>
+        <a:lstStyle/>
+        <a:p>
+          <a:endParaRPr lang="zh-TW" altLang="en-US"/>
+        </a:p>
+      </dgm:t>
+    </dgm:pt>
+    <dgm:pt modelId="{A0166A8D-0697-43B5-84C8-0BEB45B99E98}">
+      <dgm:prSet/>
+      <dgm:spPr/>
+      <dgm:t>
+        <a:bodyPr/>
+        <a:lstStyle/>
+        <a:p>
+          <a:r>
+            <a:rPr lang="zh-TW" altLang="en-US" dirty="0"/>
+            <a:t>形態學處理</a:t>
+          </a:r>
+        </a:p>
+      </dgm:t>
+    </dgm:pt>
+    <dgm:pt modelId="{4CD47E8D-C489-4165-84F1-0D70CE2CCB94}" type="parTrans" cxnId="{B51349F8-BFC5-4793-8345-F2AC2AA9A7DB}">
+      <dgm:prSet/>
+      <dgm:spPr/>
+      <dgm:t>
+        <a:bodyPr/>
+        <a:lstStyle/>
+        <a:p>
+          <a:endParaRPr lang="zh-TW" altLang="en-US"/>
+        </a:p>
+      </dgm:t>
+    </dgm:pt>
+    <dgm:pt modelId="{C4406C03-D892-4C9D-8D3D-5DE4DA2C81E3}" type="sibTrans" cxnId="{B51349F8-BFC5-4793-8345-F2AC2AA9A7DB}">
+      <dgm:prSet/>
+      <dgm:spPr/>
+      <dgm:t>
+        <a:bodyPr/>
+        <a:lstStyle/>
+        <a:p>
+          <a:endParaRPr lang="zh-TW" altLang="en-US"/>
+        </a:p>
+      </dgm:t>
+    </dgm:pt>
     <dgm:pt modelId="{E1A5BD2C-A898-46AE-98A0-79831D3DBB79}" type="pres">
       <dgm:prSet presAssocID="{F1FC4F49-1CCE-4483-BE77-86069E0939D9}" presName="Name0" presStyleCnt="0">
         <dgm:presLayoutVars>
@@ -3029,7 +3106,7 @@
       <dgm:spPr/>
     </dgm:pt>
     <dgm:pt modelId="{B51EFD5A-0501-4790-90A6-F5A082F91545}" type="pres">
-      <dgm:prSet presAssocID="{A137FDB0-CE5C-4670-847B-C552F9641CD4}" presName="node" presStyleLbl="node1" presStyleIdx="0" presStyleCnt="8" custLinFactNeighborX="-996" custLinFactNeighborY="4532">
+      <dgm:prSet presAssocID="{A137FDB0-CE5C-4670-847B-C552F9641CD4}" presName="node" presStyleLbl="node1" presStyleIdx="0" presStyleCnt="10" custLinFactNeighborX="-996" custLinFactNeighborY="4532">
         <dgm:presLayoutVars>
           <dgm:bulletEnabled val="1"/>
         </dgm:presLayoutVars>
@@ -3037,15 +3114,15 @@
       <dgm:spPr/>
     </dgm:pt>
     <dgm:pt modelId="{3FD18589-078D-4ADF-856E-35769E0B200A}" type="pres">
-      <dgm:prSet presAssocID="{0F28A5AE-4277-4848-9038-D7E13112396B}" presName="sibTrans" presStyleLbl="sibTrans2D1" presStyleIdx="0" presStyleCnt="7"/>
+      <dgm:prSet presAssocID="{0F28A5AE-4277-4848-9038-D7E13112396B}" presName="sibTrans" presStyleLbl="sibTrans2D1" presStyleIdx="0" presStyleCnt="9"/>
       <dgm:spPr/>
     </dgm:pt>
     <dgm:pt modelId="{0E3A6AB3-B532-4C22-9F00-344EB876AA81}" type="pres">
-      <dgm:prSet presAssocID="{0F28A5AE-4277-4848-9038-D7E13112396B}" presName="connectorText" presStyleLbl="sibTrans2D1" presStyleIdx="0" presStyleCnt="7"/>
+      <dgm:prSet presAssocID="{0F28A5AE-4277-4848-9038-D7E13112396B}" presName="connectorText" presStyleLbl="sibTrans2D1" presStyleIdx="0" presStyleCnt="9"/>
       <dgm:spPr/>
     </dgm:pt>
     <dgm:pt modelId="{409C177E-4AE4-4634-8FB3-4A041CEDC74B}" type="pres">
-      <dgm:prSet presAssocID="{D1C0B440-E88A-47FC-AB24-23B802B1D99F}" presName="node" presStyleLbl="node1" presStyleIdx="1" presStyleCnt="8" custLinFactNeighborX="-10856" custLinFactNeighborY="6898">
+      <dgm:prSet presAssocID="{D1C0B440-E88A-47FC-AB24-23B802B1D99F}" presName="node" presStyleLbl="node1" presStyleIdx="1" presStyleCnt="10" custLinFactNeighborX="-10856" custLinFactNeighborY="6898">
         <dgm:presLayoutVars>
           <dgm:bulletEnabled val="1"/>
         </dgm:presLayoutVars>
@@ -3053,15 +3130,15 @@
       <dgm:spPr/>
     </dgm:pt>
     <dgm:pt modelId="{6BE21F77-8E18-484D-BE64-D53D4682DF5E}" type="pres">
-      <dgm:prSet presAssocID="{392A5E0A-0DF5-4F56-BA0F-D4DA7A46C6EB}" presName="sibTrans" presStyleLbl="sibTrans2D1" presStyleIdx="1" presStyleCnt="7"/>
+      <dgm:prSet presAssocID="{392A5E0A-0DF5-4F56-BA0F-D4DA7A46C6EB}" presName="sibTrans" presStyleLbl="sibTrans2D1" presStyleIdx="1" presStyleCnt="9"/>
       <dgm:spPr/>
     </dgm:pt>
     <dgm:pt modelId="{FF6B5A69-88E8-4933-AE93-C1245B085E1D}" type="pres">
-      <dgm:prSet presAssocID="{392A5E0A-0DF5-4F56-BA0F-D4DA7A46C6EB}" presName="connectorText" presStyleLbl="sibTrans2D1" presStyleIdx="1" presStyleCnt="7"/>
+      <dgm:prSet presAssocID="{392A5E0A-0DF5-4F56-BA0F-D4DA7A46C6EB}" presName="connectorText" presStyleLbl="sibTrans2D1" presStyleIdx="1" presStyleCnt="9"/>
       <dgm:spPr/>
     </dgm:pt>
     <dgm:pt modelId="{60733932-A981-44A8-A0BF-E3A14C7173FD}" type="pres">
-      <dgm:prSet presAssocID="{C7E110D2-112F-4414-BD3D-EED58D45DFE0}" presName="node" presStyleLbl="node1" presStyleIdx="2" presStyleCnt="8">
+      <dgm:prSet presAssocID="{C7E110D2-112F-4414-BD3D-EED58D45DFE0}" presName="node" presStyleLbl="node1" presStyleIdx="2" presStyleCnt="10">
         <dgm:presLayoutVars>
           <dgm:bulletEnabled val="1"/>
         </dgm:presLayoutVars>
@@ -3069,15 +3146,15 @@
       <dgm:spPr/>
     </dgm:pt>
     <dgm:pt modelId="{DB5C975B-B7F8-4433-9150-51FFA64062BE}" type="pres">
-      <dgm:prSet presAssocID="{B8698A96-1CAC-4B6E-BDF0-6C20434354C8}" presName="sibTrans" presStyleLbl="sibTrans2D1" presStyleIdx="2" presStyleCnt="7"/>
+      <dgm:prSet presAssocID="{B8698A96-1CAC-4B6E-BDF0-6C20434354C8}" presName="sibTrans" presStyleLbl="sibTrans2D1" presStyleIdx="2" presStyleCnt="9"/>
       <dgm:spPr/>
     </dgm:pt>
     <dgm:pt modelId="{D8814119-4017-4980-B61A-89F4A744DF9A}" type="pres">
-      <dgm:prSet presAssocID="{B8698A96-1CAC-4B6E-BDF0-6C20434354C8}" presName="connectorText" presStyleLbl="sibTrans2D1" presStyleIdx="2" presStyleCnt="7"/>
+      <dgm:prSet presAssocID="{B8698A96-1CAC-4B6E-BDF0-6C20434354C8}" presName="connectorText" presStyleLbl="sibTrans2D1" presStyleIdx="2" presStyleCnt="9"/>
       <dgm:spPr/>
     </dgm:pt>
     <dgm:pt modelId="{F9A07CEE-C547-4199-B342-DF079FD37157}" type="pres">
-      <dgm:prSet presAssocID="{AE324412-5FFE-401B-8AD2-BBF7DE9EB9BB}" presName="node" presStyleLbl="node1" presStyleIdx="3" presStyleCnt="8" custLinFactNeighborX="-15573" custLinFactNeighborY="4572">
+      <dgm:prSet presAssocID="{AE324412-5FFE-401B-8AD2-BBF7DE9EB9BB}" presName="node" presStyleLbl="node1" presStyleIdx="3" presStyleCnt="10" custLinFactNeighborX="-15573" custLinFactNeighborY="4572">
         <dgm:presLayoutVars>
           <dgm:bulletEnabled val="1"/>
         </dgm:presLayoutVars>
@@ -3085,124 +3162,170 @@
       <dgm:spPr/>
     </dgm:pt>
     <dgm:pt modelId="{42D69F47-B37A-43F1-A1F2-1238876F54A8}" type="pres">
-      <dgm:prSet presAssocID="{D1B01838-852D-427F-9918-84C85100E1FA}" presName="sibTrans" presStyleLbl="sibTrans2D1" presStyleIdx="3" presStyleCnt="7"/>
+      <dgm:prSet presAssocID="{D1B01838-852D-427F-9918-84C85100E1FA}" presName="sibTrans" presStyleLbl="sibTrans2D1" presStyleIdx="3" presStyleCnt="9"/>
       <dgm:spPr/>
     </dgm:pt>
     <dgm:pt modelId="{431D6548-F7DA-4FE8-BEA8-BACABD065F45}" type="pres">
-      <dgm:prSet presAssocID="{D1B01838-852D-427F-9918-84C85100E1FA}" presName="connectorText" presStyleLbl="sibTrans2D1" presStyleIdx="3" presStyleCnt="7"/>
-      <dgm:spPr/>
-    </dgm:pt>
-    <dgm:pt modelId="{505D60B7-4C89-4D2D-9279-917800173199}" type="pres">
-      <dgm:prSet presAssocID="{F8330AE6-94DE-4371-889C-88C5FC453BF8}" presName="node" presStyleLbl="node1" presStyleIdx="4" presStyleCnt="8" custLinFactNeighborX="-8141" custLinFactNeighborY="1524">
+      <dgm:prSet presAssocID="{D1B01838-852D-427F-9918-84C85100E1FA}" presName="connectorText" presStyleLbl="sibTrans2D1" presStyleIdx="3" presStyleCnt="9"/>
+      <dgm:spPr/>
+    </dgm:pt>
+    <dgm:pt modelId="{AC78D47F-B045-4184-9538-655C30AA2727}" type="pres">
+      <dgm:prSet presAssocID="{77C6FFE8-7279-49FB-82E0-4A16FD9769E2}" presName="node" presStyleLbl="node1" presStyleIdx="4" presStyleCnt="10">
         <dgm:presLayoutVars>
           <dgm:bulletEnabled val="1"/>
         </dgm:presLayoutVars>
       </dgm:prSet>
       <dgm:spPr/>
     </dgm:pt>
-    <dgm:pt modelId="{F9C523D6-2C21-4227-A481-0D480AB41B3F}" type="pres">
-      <dgm:prSet presAssocID="{F6FD56A9-D2AD-4DFA-9830-4C0F9FB66F37}" presName="sibTrans" presStyleLbl="sibTrans2D1" presStyleIdx="4" presStyleCnt="7"/>
-      <dgm:spPr/>
-    </dgm:pt>
-    <dgm:pt modelId="{D3B6EDA6-AACF-40E9-A0A1-675B74054CBC}" type="pres">
-      <dgm:prSet presAssocID="{F6FD56A9-D2AD-4DFA-9830-4C0F9FB66F37}" presName="connectorText" presStyleLbl="sibTrans2D1" presStyleIdx="4" presStyleCnt="7"/>
-      <dgm:spPr/>
-    </dgm:pt>
-    <dgm:pt modelId="{A5619FB8-0AEF-401F-A341-1E2E82566F8E}" type="pres">
-      <dgm:prSet presAssocID="{7E0E8271-FCF9-405B-82E3-D61419F8E669}" presName="node" presStyleLbl="node1" presStyleIdx="5" presStyleCnt="8">
+    <dgm:pt modelId="{F0F0D2EE-FD0A-4B70-9B4A-A28D9263665B}" type="pres">
+      <dgm:prSet presAssocID="{9A0A7C99-AA16-4A12-82CF-A1E67EE3A972}" presName="sibTrans" presStyleLbl="sibTrans2D1" presStyleIdx="4" presStyleCnt="9"/>
+      <dgm:spPr/>
+    </dgm:pt>
+    <dgm:pt modelId="{1E450C0C-11BD-4C3F-81C3-08C81D922067}" type="pres">
+      <dgm:prSet presAssocID="{9A0A7C99-AA16-4A12-82CF-A1E67EE3A972}" presName="connectorText" presStyleLbl="sibTrans2D1" presStyleIdx="4" presStyleCnt="9"/>
+      <dgm:spPr/>
+    </dgm:pt>
+    <dgm:pt modelId="{80E4DDAD-6101-46DD-8230-482F43CBA338}" type="pres">
+      <dgm:prSet presAssocID="{A0166A8D-0697-43B5-84C8-0BEB45B99E98}" presName="node" presStyleLbl="node1" presStyleIdx="5" presStyleCnt="10">
         <dgm:presLayoutVars>
           <dgm:bulletEnabled val="1"/>
         </dgm:presLayoutVars>
       </dgm:prSet>
       <dgm:spPr/>
     </dgm:pt>
-    <dgm:pt modelId="{0500A866-B34A-4802-BC90-35E96D0A8DEB}" type="pres">
-      <dgm:prSet presAssocID="{35B47751-58C1-4720-BB5D-06FDE868B6C2}" presName="sibTrans" presStyleLbl="sibTrans2D1" presStyleIdx="5" presStyleCnt="7"/>
-      <dgm:spPr/>
-    </dgm:pt>
-    <dgm:pt modelId="{8735FC04-7596-4D54-97E6-BDF3424903E3}" type="pres">
-      <dgm:prSet presAssocID="{35B47751-58C1-4720-BB5D-06FDE868B6C2}" presName="connectorText" presStyleLbl="sibTrans2D1" presStyleIdx="5" presStyleCnt="7"/>
-      <dgm:spPr/>
-    </dgm:pt>
-    <dgm:pt modelId="{DB1245DE-7B4C-4FCE-A3B3-E2ADB3C8C6DA}" type="pres">
-      <dgm:prSet presAssocID="{7AF6256F-42A4-4707-90CB-82CF1C58360E}" presName="node" presStyleLbl="node1" presStyleIdx="6" presStyleCnt="8">
+    <dgm:pt modelId="{E23BA2B8-93F1-4A81-8A88-C17C6CD6C022}" type="pres">
+      <dgm:prSet presAssocID="{C4406C03-D892-4C9D-8D3D-5DE4DA2C81E3}" presName="sibTrans" presStyleLbl="sibTrans2D1" presStyleIdx="5" presStyleCnt="9"/>
+      <dgm:spPr/>
+    </dgm:pt>
+    <dgm:pt modelId="{D25D77CB-0729-4E7A-8AF0-516F565FE05D}" type="pres">
+      <dgm:prSet presAssocID="{C4406C03-D892-4C9D-8D3D-5DE4DA2C81E3}" presName="connectorText" presStyleLbl="sibTrans2D1" presStyleIdx="5" presStyleCnt="9"/>
+      <dgm:spPr/>
+    </dgm:pt>
+    <dgm:pt modelId="{505D60B7-4C89-4D2D-9279-917800173199}" type="pres">
+      <dgm:prSet presAssocID="{F8330AE6-94DE-4371-889C-88C5FC453BF8}" presName="node" presStyleLbl="node1" presStyleIdx="6" presStyleCnt="10" custLinFactNeighborX="-8141" custLinFactNeighborY="1524">
         <dgm:presLayoutVars>
           <dgm:bulletEnabled val="1"/>
         </dgm:presLayoutVars>
       </dgm:prSet>
       <dgm:spPr/>
     </dgm:pt>
-    <dgm:pt modelId="{5A78FFF9-B573-4731-80F2-77A5F5EF122D}" type="pres">
-      <dgm:prSet presAssocID="{EA387009-58D2-44E0-8176-E07974B65267}" presName="sibTrans" presStyleLbl="sibTrans2D1" presStyleIdx="6" presStyleCnt="7"/>
-      <dgm:spPr/>
-    </dgm:pt>
-    <dgm:pt modelId="{105FE387-CA97-4A44-BF57-5295283E24FA}" type="pres">
-      <dgm:prSet presAssocID="{EA387009-58D2-44E0-8176-E07974B65267}" presName="connectorText" presStyleLbl="sibTrans2D1" presStyleIdx="6" presStyleCnt="7"/>
-      <dgm:spPr/>
-    </dgm:pt>
-    <dgm:pt modelId="{A364EF6D-9913-4539-84F6-90E444008AE2}" type="pres">
-      <dgm:prSet presAssocID="{CE041EFA-B644-49A3-972C-7F76F68D8C7A}" presName="node" presStyleLbl="node1" presStyleIdx="7" presStyleCnt="8">
+    <dgm:pt modelId="{F9C523D6-2C21-4227-A481-0D480AB41B3F}" type="pres">
+      <dgm:prSet presAssocID="{F6FD56A9-D2AD-4DFA-9830-4C0F9FB66F37}" presName="sibTrans" presStyleLbl="sibTrans2D1" presStyleIdx="6" presStyleCnt="9"/>
+      <dgm:spPr/>
+    </dgm:pt>
+    <dgm:pt modelId="{D3B6EDA6-AACF-40E9-A0A1-675B74054CBC}" type="pres">
+      <dgm:prSet presAssocID="{F6FD56A9-D2AD-4DFA-9830-4C0F9FB66F37}" presName="connectorText" presStyleLbl="sibTrans2D1" presStyleIdx="6" presStyleCnt="9"/>
+      <dgm:spPr/>
+    </dgm:pt>
+    <dgm:pt modelId="{A5619FB8-0AEF-401F-A341-1E2E82566F8E}" type="pres">
+      <dgm:prSet presAssocID="{7E0E8271-FCF9-405B-82E3-D61419F8E669}" presName="node" presStyleLbl="node1" presStyleIdx="7" presStyleCnt="10">
         <dgm:presLayoutVars>
           <dgm:bulletEnabled val="1"/>
         </dgm:presLayoutVars>
       </dgm:prSet>
       <dgm:spPr/>
     </dgm:pt>
+    <dgm:pt modelId="{0500A866-B34A-4802-BC90-35E96D0A8DEB}" type="pres">
+      <dgm:prSet presAssocID="{35B47751-58C1-4720-BB5D-06FDE868B6C2}" presName="sibTrans" presStyleLbl="sibTrans2D1" presStyleIdx="7" presStyleCnt="9"/>
+      <dgm:spPr/>
+    </dgm:pt>
+    <dgm:pt modelId="{8735FC04-7596-4D54-97E6-BDF3424903E3}" type="pres">
+      <dgm:prSet presAssocID="{35B47751-58C1-4720-BB5D-06FDE868B6C2}" presName="connectorText" presStyleLbl="sibTrans2D1" presStyleIdx="7" presStyleCnt="9"/>
+      <dgm:spPr/>
+    </dgm:pt>
+    <dgm:pt modelId="{DB1245DE-7B4C-4FCE-A3B3-E2ADB3C8C6DA}" type="pres">
+      <dgm:prSet presAssocID="{7AF6256F-42A4-4707-90CB-82CF1C58360E}" presName="node" presStyleLbl="node1" presStyleIdx="8" presStyleCnt="10">
+        <dgm:presLayoutVars>
+          <dgm:bulletEnabled val="1"/>
+        </dgm:presLayoutVars>
+      </dgm:prSet>
+      <dgm:spPr/>
+    </dgm:pt>
+    <dgm:pt modelId="{5A78FFF9-B573-4731-80F2-77A5F5EF122D}" type="pres">
+      <dgm:prSet presAssocID="{EA387009-58D2-44E0-8176-E07974B65267}" presName="sibTrans" presStyleLbl="sibTrans2D1" presStyleIdx="8" presStyleCnt="9"/>
+      <dgm:spPr/>
+    </dgm:pt>
+    <dgm:pt modelId="{105FE387-CA97-4A44-BF57-5295283E24FA}" type="pres">
+      <dgm:prSet presAssocID="{EA387009-58D2-44E0-8176-E07974B65267}" presName="connectorText" presStyleLbl="sibTrans2D1" presStyleIdx="8" presStyleCnt="9"/>
+      <dgm:spPr/>
+    </dgm:pt>
+    <dgm:pt modelId="{A364EF6D-9913-4539-84F6-90E444008AE2}" type="pres">
+      <dgm:prSet presAssocID="{CE041EFA-B644-49A3-972C-7F76F68D8C7A}" presName="node" presStyleLbl="node1" presStyleIdx="9" presStyleCnt="10">
+        <dgm:presLayoutVars>
+          <dgm:bulletEnabled val="1"/>
+        </dgm:presLayoutVars>
+      </dgm:prSet>
+      <dgm:spPr/>
+    </dgm:pt>
   </dgm:ptLst>
   <dgm:cxnLst>
-    <dgm:cxn modelId="{2B6C8804-4934-4248-8A38-B2658D15CFFD}" type="presOf" srcId="{A137FDB0-CE5C-4670-847B-C552F9641CD4}" destId="{B51EFD5A-0501-4790-90A6-F5A082F91545}" srcOrd="0" destOrd="0" presId="urn:microsoft.com/office/officeart/2005/8/layout/process1"/>
-    <dgm:cxn modelId="{A7AEA512-63FA-4AA1-8E95-D6431AA8A504}" type="presOf" srcId="{D1B01838-852D-427F-9918-84C85100E1FA}" destId="{42D69F47-B37A-43F1-A1F2-1238876F54A8}" srcOrd="0" destOrd="0" presId="urn:microsoft.com/office/officeart/2005/8/layout/process1"/>
-    <dgm:cxn modelId="{0DE65F19-F8AF-4CCD-90D0-8DF9946C49BA}" type="presOf" srcId="{F8330AE6-94DE-4371-889C-88C5FC453BF8}" destId="{505D60B7-4C89-4D2D-9279-917800173199}" srcOrd="0" destOrd="0" presId="urn:microsoft.com/office/officeart/2005/8/layout/process1"/>
-    <dgm:cxn modelId="{A176A71B-CBC3-4681-A841-5C317CB2B7BD}" type="presOf" srcId="{EA387009-58D2-44E0-8176-E07974B65267}" destId="{105FE387-CA97-4A44-BF57-5295283E24FA}" srcOrd="1" destOrd="0" presId="urn:microsoft.com/office/officeart/2005/8/layout/process1"/>
+    <dgm:cxn modelId="{16AB3A0D-4616-4CC9-9721-EBE7D6D53680}" type="presOf" srcId="{EA387009-58D2-44E0-8176-E07974B65267}" destId="{5A78FFF9-B573-4731-80F2-77A5F5EF122D}" srcOrd="0" destOrd="0" presId="urn:microsoft.com/office/officeart/2005/8/layout/process1"/>
+    <dgm:cxn modelId="{1F298627-857C-49FF-A599-D995C3AAC7E9}" type="presOf" srcId="{C4406C03-D892-4C9D-8D3D-5DE4DA2C81E3}" destId="{E23BA2B8-93F1-4A81-8A88-C17C6CD6C022}" srcOrd="0" destOrd="0" presId="urn:microsoft.com/office/officeart/2005/8/layout/process1"/>
     <dgm:cxn modelId="{4090B32B-E65E-497A-A17E-9FC3D352A33F}" srcId="{F1FC4F49-1CCE-4483-BE77-86069E0939D9}" destId="{AE324412-5FFE-401B-8AD2-BBF7DE9EB9BB}" srcOrd="3" destOrd="0" parTransId="{06EFA0CE-0C25-469F-95B8-3059AAD45C75}" sibTransId="{D1B01838-852D-427F-9918-84C85100E1FA}"/>
     <dgm:cxn modelId="{FBE6832C-2AAD-4A5C-B19F-EE06ED7CDBEC}" srcId="{F1FC4F49-1CCE-4483-BE77-86069E0939D9}" destId="{D1C0B440-E88A-47FC-AB24-23B802B1D99F}" srcOrd="1" destOrd="0" parTransId="{4559682F-EA69-407D-B045-0CDB4916C932}" sibTransId="{392A5E0A-0DF5-4F56-BA0F-D4DA7A46C6EB}"/>
-    <dgm:cxn modelId="{79B1E934-A78F-40BE-B56D-8C292226D29B}" type="presOf" srcId="{EA387009-58D2-44E0-8176-E07974B65267}" destId="{5A78FFF9-B573-4731-80F2-77A5F5EF122D}" srcOrd="0" destOrd="0" presId="urn:microsoft.com/office/officeart/2005/8/layout/process1"/>
-    <dgm:cxn modelId="{64BDEC37-6B58-4730-AD2A-25C83AADB598}" type="presOf" srcId="{7AF6256F-42A4-4707-90CB-82CF1C58360E}" destId="{DB1245DE-7B4C-4FCE-A3B3-E2ADB3C8C6DA}" srcOrd="0" destOrd="0" presId="urn:microsoft.com/office/officeart/2005/8/layout/process1"/>
-    <dgm:cxn modelId="{65337B5E-EFF0-4DFD-9B1E-DFACA60932BC}" srcId="{F1FC4F49-1CCE-4483-BE77-86069E0939D9}" destId="{7E0E8271-FCF9-405B-82E3-D61419F8E669}" srcOrd="5" destOrd="0" parTransId="{A7DDF4D7-F626-49C5-B137-0A71B0D2107D}" sibTransId="{35B47751-58C1-4720-BB5D-06FDE868B6C2}"/>
-    <dgm:cxn modelId="{91B39E44-574E-4C3F-B77E-22F1C11E0E14}" type="presOf" srcId="{D1B01838-852D-427F-9918-84C85100E1FA}" destId="{431D6548-F7DA-4FE8-BEA8-BACABD065F45}" srcOrd="1" destOrd="0" presId="urn:microsoft.com/office/officeart/2005/8/layout/process1"/>
+    <dgm:cxn modelId="{1DC65B31-9554-4705-8AA8-4E16123EE1AB}" type="presOf" srcId="{77C6FFE8-7279-49FB-82E0-4A16FD9769E2}" destId="{AC78D47F-B045-4184-9538-655C30AA2727}" srcOrd="0" destOrd="0" presId="urn:microsoft.com/office/officeart/2005/8/layout/process1"/>
+    <dgm:cxn modelId="{65337B5E-EFF0-4DFD-9B1E-DFACA60932BC}" srcId="{F1FC4F49-1CCE-4483-BE77-86069E0939D9}" destId="{7E0E8271-FCF9-405B-82E3-D61419F8E669}" srcOrd="7" destOrd="0" parTransId="{A7DDF4D7-F626-49C5-B137-0A71B0D2107D}" sibTransId="{35B47751-58C1-4720-BB5D-06FDE868B6C2}"/>
+    <dgm:cxn modelId="{C47AEA65-6DA7-4E17-9781-215633D41B39}" type="presOf" srcId="{7AF6256F-42A4-4707-90CB-82CF1C58360E}" destId="{DB1245DE-7B4C-4FCE-A3B3-E2ADB3C8C6DA}" srcOrd="0" destOrd="0" presId="urn:microsoft.com/office/officeart/2005/8/layout/process1"/>
+    <dgm:cxn modelId="{79D41B46-B283-452B-B913-42DFFA8DB673}" type="presOf" srcId="{F6FD56A9-D2AD-4DFA-9830-4C0F9FB66F37}" destId="{D3B6EDA6-AACF-40E9-A0A1-675B74054CBC}" srcOrd="1" destOrd="0" presId="urn:microsoft.com/office/officeart/2005/8/layout/process1"/>
     <dgm:cxn modelId="{BFEFD246-58B3-4A42-9E52-8F274D65D243}" srcId="{F1FC4F49-1CCE-4483-BE77-86069E0939D9}" destId="{A137FDB0-CE5C-4670-847B-C552F9641CD4}" srcOrd="0" destOrd="0" parTransId="{0B43F75E-09CC-4910-91DE-01ABB0D1A21F}" sibTransId="{0F28A5AE-4277-4848-9038-D7E13112396B}"/>
-    <dgm:cxn modelId="{8E01516E-53A3-407A-BC8C-CAF3ECF5F18C}" type="presOf" srcId="{35B47751-58C1-4720-BB5D-06FDE868B6C2}" destId="{0500A866-B34A-4802-BC90-35E96D0A8DEB}" srcOrd="0" destOrd="0" presId="urn:microsoft.com/office/officeart/2005/8/layout/process1"/>
-    <dgm:cxn modelId="{0AAAB26F-3DAE-464B-860C-3AB67938138C}" type="presOf" srcId="{35B47751-58C1-4720-BB5D-06FDE868B6C2}" destId="{8735FC04-7596-4D54-97E6-BDF3424903E3}" srcOrd="1" destOrd="0" presId="urn:microsoft.com/office/officeart/2005/8/layout/process1"/>
-    <dgm:cxn modelId="{FE572E73-42F4-4F3F-9868-39D77C90B55A}" type="presOf" srcId="{7E0E8271-FCF9-405B-82E3-D61419F8E669}" destId="{A5619FB8-0AEF-401F-A341-1E2E82566F8E}" srcOrd="0" destOrd="0" presId="urn:microsoft.com/office/officeart/2005/8/layout/process1"/>
-    <dgm:cxn modelId="{F1D36B7C-7C40-47CF-AD2D-159498F83FAA}" type="presOf" srcId="{AE324412-5FFE-401B-8AD2-BBF7DE9EB9BB}" destId="{F9A07CEE-C547-4199-B342-DF079FD37157}" srcOrd="0" destOrd="0" presId="urn:microsoft.com/office/officeart/2005/8/layout/process1"/>
-    <dgm:cxn modelId="{5F952881-2C7A-4D90-A91F-E286D7035AED}" srcId="{F1FC4F49-1CCE-4483-BE77-86069E0939D9}" destId="{7AF6256F-42A4-4707-90CB-82CF1C58360E}" srcOrd="6" destOrd="0" parTransId="{C112F467-DB4A-4FBB-B50C-99C5A37C7003}" sibTransId="{EA387009-58D2-44E0-8176-E07974B65267}"/>
-    <dgm:cxn modelId="{6DD5E88E-8429-4FB9-9C6E-F6C22F904928}" type="presOf" srcId="{0F28A5AE-4277-4848-9038-D7E13112396B}" destId="{0E3A6AB3-B532-4C22-9F00-344EB876AA81}" srcOrd="1" destOrd="0" presId="urn:microsoft.com/office/officeart/2005/8/layout/process1"/>
-    <dgm:cxn modelId="{C452AF9C-CE29-49EE-AE1E-7ABBCA641622}" srcId="{F1FC4F49-1CCE-4483-BE77-86069E0939D9}" destId="{CE041EFA-B644-49A3-972C-7F76F68D8C7A}" srcOrd="7" destOrd="0" parTransId="{6928C392-C2C6-449D-BD13-6BF2776D6D5B}" sibTransId="{8EE405BF-C289-46D8-B1AA-86DF7A3C98D2}"/>
-    <dgm:cxn modelId="{E558BB9D-4CB1-473A-BE2F-ABFA13F4961B}" type="presOf" srcId="{392A5E0A-0DF5-4F56-BA0F-D4DA7A46C6EB}" destId="{FF6B5A69-88E8-4933-AE93-C1245B085E1D}" srcOrd="1" destOrd="0" presId="urn:microsoft.com/office/officeart/2005/8/layout/process1"/>
-    <dgm:cxn modelId="{0DA9BF9D-01CF-4F71-A31B-566D944F3AFD}" type="presOf" srcId="{F6FD56A9-D2AD-4DFA-9830-4C0F9FB66F37}" destId="{D3B6EDA6-AACF-40E9-A0A1-675B74054CBC}" srcOrd="1" destOrd="0" presId="urn:microsoft.com/office/officeart/2005/8/layout/process1"/>
-    <dgm:cxn modelId="{4C8176A3-B610-4A9A-B802-CB71B4F79CFA}" type="presOf" srcId="{B8698A96-1CAC-4B6E-BDF0-6C20434354C8}" destId="{D8814119-4017-4980-B61A-89F4A744DF9A}" srcOrd="1" destOrd="0" presId="urn:microsoft.com/office/officeart/2005/8/layout/process1"/>
-    <dgm:cxn modelId="{175687A5-55B5-42FB-87E7-91181589E2E5}" type="presOf" srcId="{392A5E0A-0DF5-4F56-BA0F-D4DA7A46C6EB}" destId="{6BE21F77-8E18-484D-BE64-D53D4682DF5E}" srcOrd="0" destOrd="0" presId="urn:microsoft.com/office/officeart/2005/8/layout/process1"/>
-    <dgm:cxn modelId="{6A62A8B8-79AE-4032-93FE-50E27B183BF4}" type="presOf" srcId="{0F28A5AE-4277-4848-9038-D7E13112396B}" destId="{3FD18589-078D-4ADF-856E-35769E0B200A}" srcOrd="0" destOrd="0" presId="urn:microsoft.com/office/officeart/2005/8/layout/process1"/>
+    <dgm:cxn modelId="{54CD8147-DB55-4E4B-B3F7-F2933C50F3F2}" type="presOf" srcId="{0F28A5AE-4277-4848-9038-D7E13112396B}" destId="{3FD18589-078D-4ADF-856E-35769E0B200A}" srcOrd="0" destOrd="0" presId="urn:microsoft.com/office/officeart/2005/8/layout/process1"/>
+    <dgm:cxn modelId="{B3CF1D4A-D38E-4B07-AEF3-FFB05A48BBBF}" type="presOf" srcId="{9A0A7C99-AA16-4A12-82CF-A1E67EE3A972}" destId="{F0F0D2EE-FD0A-4B70-9B4A-A28D9263665B}" srcOrd="0" destOrd="0" presId="urn:microsoft.com/office/officeart/2005/8/layout/process1"/>
+    <dgm:cxn modelId="{92B69C6C-1E60-41F1-9770-8EF2A902C121}" type="presOf" srcId="{9A0A7C99-AA16-4A12-82CF-A1E67EE3A972}" destId="{1E450C0C-11BD-4C3F-81C3-08C81D922067}" srcOrd="1" destOrd="0" presId="urn:microsoft.com/office/officeart/2005/8/layout/process1"/>
+    <dgm:cxn modelId="{6213944D-4420-46BE-AC85-8A4DD9AB8309}" type="presOf" srcId="{D1B01838-852D-427F-9918-84C85100E1FA}" destId="{42D69F47-B37A-43F1-A1F2-1238876F54A8}" srcOrd="0" destOrd="0" presId="urn:microsoft.com/office/officeart/2005/8/layout/process1"/>
+    <dgm:cxn modelId="{356EE36D-F160-4AED-B7A9-278936AEE22B}" type="presOf" srcId="{D1B01838-852D-427F-9918-84C85100E1FA}" destId="{431D6548-F7DA-4FE8-BEA8-BACABD065F45}" srcOrd="1" destOrd="0" presId="urn:microsoft.com/office/officeart/2005/8/layout/process1"/>
+    <dgm:cxn modelId="{26DC1A54-D9B0-4A5C-B326-50873ADC21ED}" type="presOf" srcId="{C4406C03-D892-4C9D-8D3D-5DE4DA2C81E3}" destId="{D25D77CB-0729-4E7A-8AF0-516F565FE05D}" srcOrd="1" destOrd="0" presId="urn:microsoft.com/office/officeart/2005/8/layout/process1"/>
+    <dgm:cxn modelId="{42E60C57-CEF2-42F2-ADB0-75BA493267B9}" type="presOf" srcId="{F6FD56A9-D2AD-4DFA-9830-4C0F9FB66F37}" destId="{F9C523D6-2C21-4227-A481-0D480AB41B3F}" srcOrd="0" destOrd="0" presId="urn:microsoft.com/office/officeart/2005/8/layout/process1"/>
+    <dgm:cxn modelId="{4E28E257-8DD4-43A5-83E6-12EF6F0E956D}" type="presOf" srcId="{D1C0B440-E88A-47FC-AB24-23B802B1D99F}" destId="{409C177E-4AE4-4634-8FB3-4A041CEDC74B}" srcOrd="0" destOrd="0" presId="urn:microsoft.com/office/officeart/2005/8/layout/process1"/>
+    <dgm:cxn modelId="{D740B878-3973-475B-B7D3-5A400481789E}" type="presOf" srcId="{392A5E0A-0DF5-4F56-BA0F-D4DA7A46C6EB}" destId="{FF6B5A69-88E8-4933-AE93-C1245B085E1D}" srcOrd="1" destOrd="0" presId="urn:microsoft.com/office/officeart/2005/8/layout/process1"/>
+    <dgm:cxn modelId="{C277F358-301D-49AA-BD90-D4ECC5B2E3EE}" type="presOf" srcId="{EA387009-58D2-44E0-8176-E07974B65267}" destId="{105FE387-CA97-4A44-BF57-5295283E24FA}" srcOrd="1" destOrd="0" presId="urn:microsoft.com/office/officeart/2005/8/layout/process1"/>
+    <dgm:cxn modelId="{5F952881-2C7A-4D90-A91F-E286D7035AED}" srcId="{F1FC4F49-1CCE-4483-BE77-86069E0939D9}" destId="{7AF6256F-42A4-4707-90CB-82CF1C58360E}" srcOrd="8" destOrd="0" parTransId="{C112F467-DB4A-4FBB-B50C-99C5A37C7003}" sibTransId="{EA387009-58D2-44E0-8176-E07974B65267}"/>
+    <dgm:cxn modelId="{8E611486-EF1F-4A03-9379-8B5368755D8A}" type="presOf" srcId="{A0166A8D-0697-43B5-84C8-0BEB45B99E98}" destId="{80E4DDAD-6101-46DD-8230-482F43CBA338}" srcOrd="0" destOrd="0" presId="urn:microsoft.com/office/officeart/2005/8/layout/process1"/>
+    <dgm:cxn modelId="{B2AE7890-01A1-42E7-8DFA-49885E8EFE43}" type="presOf" srcId="{0F28A5AE-4277-4848-9038-D7E13112396B}" destId="{0E3A6AB3-B532-4C22-9F00-344EB876AA81}" srcOrd="1" destOrd="0" presId="urn:microsoft.com/office/officeart/2005/8/layout/process1"/>
+    <dgm:cxn modelId="{C452AF9C-CE29-49EE-AE1E-7ABBCA641622}" srcId="{F1FC4F49-1CCE-4483-BE77-86069E0939D9}" destId="{CE041EFA-B644-49A3-972C-7F76F68D8C7A}" srcOrd="9" destOrd="0" parTransId="{6928C392-C2C6-449D-BD13-6BF2776D6D5B}" sibTransId="{8EE405BF-C289-46D8-B1AA-86DF7A3C98D2}"/>
+    <dgm:cxn modelId="{19BFB89E-DEAC-43C1-BBA6-24C29DF552DD}" type="presOf" srcId="{B8698A96-1CAC-4B6E-BDF0-6C20434354C8}" destId="{DB5C975B-B7F8-4433-9150-51FFA64062BE}" srcOrd="0" destOrd="0" presId="urn:microsoft.com/office/officeart/2005/8/layout/process1"/>
+    <dgm:cxn modelId="{347706A3-831B-47E8-808A-B973431E3C71}" type="presOf" srcId="{392A5E0A-0DF5-4F56-BA0F-D4DA7A46C6EB}" destId="{6BE21F77-8E18-484D-BE64-D53D4682DF5E}" srcOrd="0" destOrd="0" presId="urn:microsoft.com/office/officeart/2005/8/layout/process1"/>
+    <dgm:cxn modelId="{E5BC9CA5-06C7-4D83-8BA1-AEA90C5B2531}" type="presOf" srcId="{CE041EFA-B644-49A3-972C-7F76F68D8C7A}" destId="{A364EF6D-9913-4539-84F6-90E444008AE2}" srcOrd="0" destOrd="0" presId="urn:microsoft.com/office/officeart/2005/8/layout/process1"/>
+    <dgm:cxn modelId="{2216FBA5-4AC2-43BE-BAD6-BD6340619C8B}" type="presOf" srcId="{AE324412-5FFE-401B-8AD2-BBF7DE9EB9BB}" destId="{F9A07CEE-C547-4199-B342-DF079FD37157}" srcOrd="0" destOrd="0" presId="urn:microsoft.com/office/officeart/2005/8/layout/process1"/>
+    <dgm:cxn modelId="{17F58FAE-394D-4C70-9A4B-2078104EED39}" type="presOf" srcId="{C7E110D2-112F-4414-BD3D-EED58D45DFE0}" destId="{60733932-A981-44A8-A0BF-E3A14C7173FD}" srcOrd="0" destOrd="0" presId="urn:microsoft.com/office/officeart/2005/8/layout/process1"/>
+    <dgm:cxn modelId="{C83CC2AE-C152-46D3-AE03-85C57B0FD4AB}" type="presOf" srcId="{B8698A96-1CAC-4B6E-BDF0-6C20434354C8}" destId="{D8814119-4017-4980-B61A-89F4A744DF9A}" srcOrd="1" destOrd="0" presId="urn:microsoft.com/office/officeart/2005/8/layout/process1"/>
+    <dgm:cxn modelId="{66762AB4-91C5-4234-A033-BC15A1315AA9}" type="presOf" srcId="{A137FDB0-CE5C-4670-847B-C552F9641CD4}" destId="{B51EFD5A-0501-4790-90A6-F5A082F91545}" srcOrd="0" destOrd="0" presId="urn:microsoft.com/office/officeart/2005/8/layout/process1"/>
+    <dgm:cxn modelId="{C22AD4BC-D4F0-4933-BCEE-21F2292BAA0F}" type="presOf" srcId="{35B47751-58C1-4720-BB5D-06FDE868B6C2}" destId="{0500A866-B34A-4802-BC90-35E96D0A8DEB}" srcOrd="0" destOrd="0" presId="urn:microsoft.com/office/officeart/2005/8/layout/process1"/>
     <dgm:cxn modelId="{2832C6BF-9BDF-4271-A836-817CF8729850}" srcId="{F1FC4F49-1CCE-4483-BE77-86069E0939D9}" destId="{C7E110D2-112F-4414-BD3D-EED58D45DFE0}" srcOrd="2" destOrd="0" parTransId="{48CEC249-0E25-4E79-8DCE-B07AD2F4FBF7}" sibTransId="{B8698A96-1CAC-4B6E-BDF0-6C20434354C8}"/>
-    <dgm:cxn modelId="{81E2C8CF-AA04-4403-95B8-685DBE1366D1}" type="presOf" srcId="{F6FD56A9-D2AD-4DFA-9830-4C0F9FB66F37}" destId="{F9C523D6-2C21-4227-A481-0D480AB41B3F}" srcOrd="0" destOrd="0" presId="urn:microsoft.com/office/officeart/2005/8/layout/process1"/>
-    <dgm:cxn modelId="{93E9C7DF-84E3-49D1-BB5A-6048C5C35FA7}" srcId="{F1FC4F49-1CCE-4483-BE77-86069E0939D9}" destId="{F8330AE6-94DE-4371-889C-88C5FC453BF8}" srcOrd="4" destOrd="0" parTransId="{B611BD95-5486-4B1A-869F-31BA6AD5D95E}" sibTransId="{F6FD56A9-D2AD-4DFA-9830-4C0F9FB66F37}"/>
-    <dgm:cxn modelId="{85B205F1-E4EE-4A4C-AEC6-BB8E685636F9}" type="presOf" srcId="{C7E110D2-112F-4414-BD3D-EED58D45DFE0}" destId="{60733932-A981-44A8-A0BF-E3A14C7173FD}" srcOrd="0" destOrd="0" presId="urn:microsoft.com/office/officeart/2005/8/layout/process1"/>
-    <dgm:cxn modelId="{D3C5C4F5-5AB6-4EB2-A59A-9A4D612048D3}" type="presOf" srcId="{B8698A96-1CAC-4B6E-BDF0-6C20434354C8}" destId="{DB5C975B-B7F8-4433-9150-51FFA64062BE}" srcOrd="0" destOrd="0" presId="urn:microsoft.com/office/officeart/2005/8/layout/process1"/>
-    <dgm:cxn modelId="{82FE1AF9-525E-4BED-A775-D5FCD099F221}" type="presOf" srcId="{CE041EFA-B644-49A3-972C-7F76F68D8C7A}" destId="{A364EF6D-9913-4539-84F6-90E444008AE2}" srcOrd="0" destOrd="0" presId="urn:microsoft.com/office/officeart/2005/8/layout/process1"/>
-    <dgm:cxn modelId="{912B00FB-F092-4EC3-9060-E9CED7F17338}" type="presOf" srcId="{D1C0B440-E88A-47FC-AB24-23B802B1D99F}" destId="{409C177E-4AE4-4634-8FB3-4A041CEDC74B}" srcOrd="0" destOrd="0" presId="urn:microsoft.com/office/officeart/2005/8/layout/process1"/>
+    <dgm:cxn modelId="{D9F4E3C9-394C-42E7-BA50-8F8DBA29CB7C}" srcId="{F1FC4F49-1CCE-4483-BE77-86069E0939D9}" destId="{77C6FFE8-7279-49FB-82E0-4A16FD9769E2}" srcOrd="4" destOrd="0" parTransId="{4F7C1586-913E-4A54-AD16-193625C7B581}" sibTransId="{9A0A7C99-AA16-4A12-82CF-A1E67EE3A972}"/>
+    <dgm:cxn modelId="{93E9C7DF-84E3-49D1-BB5A-6048C5C35FA7}" srcId="{F1FC4F49-1CCE-4483-BE77-86069E0939D9}" destId="{F8330AE6-94DE-4371-889C-88C5FC453BF8}" srcOrd="6" destOrd="0" parTransId="{B611BD95-5486-4B1A-869F-31BA6AD5D95E}" sibTransId="{F6FD56A9-D2AD-4DFA-9830-4C0F9FB66F37}"/>
+    <dgm:cxn modelId="{0B2462E7-8690-473D-BB95-BA23B65B2F1D}" type="presOf" srcId="{35B47751-58C1-4720-BB5D-06FDE868B6C2}" destId="{8735FC04-7596-4D54-97E6-BDF3424903E3}" srcOrd="1" destOrd="0" presId="urn:microsoft.com/office/officeart/2005/8/layout/process1"/>
+    <dgm:cxn modelId="{4064F0EC-DB90-465E-AD1A-BDB16D25BC01}" type="presOf" srcId="{7E0E8271-FCF9-405B-82E3-D61419F8E669}" destId="{A5619FB8-0AEF-401F-A341-1E2E82566F8E}" srcOrd="0" destOrd="0" presId="urn:microsoft.com/office/officeart/2005/8/layout/process1"/>
+    <dgm:cxn modelId="{FC081EF1-B398-4982-B590-CE67ACCA3F5A}" type="presOf" srcId="{F8330AE6-94DE-4371-889C-88C5FC453BF8}" destId="{505D60B7-4C89-4D2D-9279-917800173199}" srcOrd="0" destOrd="0" presId="urn:microsoft.com/office/officeart/2005/8/layout/process1"/>
+    <dgm:cxn modelId="{B51349F8-BFC5-4793-8345-F2AC2AA9A7DB}" srcId="{F1FC4F49-1CCE-4483-BE77-86069E0939D9}" destId="{A0166A8D-0697-43B5-84C8-0BEB45B99E98}" srcOrd="5" destOrd="0" parTransId="{4CD47E8D-C489-4165-84F1-0D70CE2CCB94}" sibTransId="{C4406C03-D892-4C9D-8D3D-5DE4DA2C81E3}"/>
     <dgm:cxn modelId="{4834EDFC-3D2F-4A5E-B4CF-7FF9FE2BE650}" type="presOf" srcId="{F1FC4F49-1CCE-4483-BE77-86069E0939D9}" destId="{E1A5BD2C-A898-46AE-98A0-79831D3DBB79}" srcOrd="0" destOrd="0" presId="urn:microsoft.com/office/officeart/2005/8/layout/process1"/>
-    <dgm:cxn modelId="{8FCE706C-8AFA-4D1E-B534-227143D5132B}" type="presParOf" srcId="{E1A5BD2C-A898-46AE-98A0-79831D3DBB79}" destId="{B51EFD5A-0501-4790-90A6-F5A082F91545}" srcOrd="0" destOrd="0" presId="urn:microsoft.com/office/officeart/2005/8/layout/process1"/>
-    <dgm:cxn modelId="{6AA47B88-B641-46A1-AB9A-61EB8C38FDDE}" type="presParOf" srcId="{E1A5BD2C-A898-46AE-98A0-79831D3DBB79}" destId="{3FD18589-078D-4ADF-856E-35769E0B200A}" srcOrd="1" destOrd="0" presId="urn:microsoft.com/office/officeart/2005/8/layout/process1"/>
-    <dgm:cxn modelId="{BCDFA85E-7ADB-4CA2-B23A-C0771D360C4C}" type="presParOf" srcId="{3FD18589-078D-4ADF-856E-35769E0B200A}" destId="{0E3A6AB3-B532-4C22-9F00-344EB876AA81}" srcOrd="0" destOrd="0" presId="urn:microsoft.com/office/officeart/2005/8/layout/process1"/>
-    <dgm:cxn modelId="{90A6132E-549B-4D92-8A6B-EFA15E7EDB64}" type="presParOf" srcId="{E1A5BD2C-A898-46AE-98A0-79831D3DBB79}" destId="{409C177E-4AE4-4634-8FB3-4A041CEDC74B}" srcOrd="2" destOrd="0" presId="urn:microsoft.com/office/officeart/2005/8/layout/process1"/>
-    <dgm:cxn modelId="{1FF1F4D8-B8CE-43C7-B9E6-002159DB10A6}" type="presParOf" srcId="{E1A5BD2C-A898-46AE-98A0-79831D3DBB79}" destId="{6BE21F77-8E18-484D-BE64-D53D4682DF5E}" srcOrd="3" destOrd="0" presId="urn:microsoft.com/office/officeart/2005/8/layout/process1"/>
-    <dgm:cxn modelId="{8471F85D-DC1E-43AB-84D5-9FEF9FD2B5A7}" type="presParOf" srcId="{6BE21F77-8E18-484D-BE64-D53D4682DF5E}" destId="{FF6B5A69-88E8-4933-AE93-C1245B085E1D}" srcOrd="0" destOrd="0" presId="urn:microsoft.com/office/officeart/2005/8/layout/process1"/>
-    <dgm:cxn modelId="{F1D0B0E6-243F-4891-99B3-D12514B4F269}" type="presParOf" srcId="{E1A5BD2C-A898-46AE-98A0-79831D3DBB79}" destId="{60733932-A981-44A8-A0BF-E3A14C7173FD}" srcOrd="4" destOrd="0" presId="urn:microsoft.com/office/officeart/2005/8/layout/process1"/>
-    <dgm:cxn modelId="{3BCD251D-C166-4E37-88FC-0FEC46495B80}" type="presParOf" srcId="{E1A5BD2C-A898-46AE-98A0-79831D3DBB79}" destId="{DB5C975B-B7F8-4433-9150-51FFA64062BE}" srcOrd="5" destOrd="0" presId="urn:microsoft.com/office/officeart/2005/8/layout/process1"/>
-    <dgm:cxn modelId="{9196AEA2-C240-4DA0-9643-88185C547D84}" type="presParOf" srcId="{DB5C975B-B7F8-4433-9150-51FFA64062BE}" destId="{D8814119-4017-4980-B61A-89F4A744DF9A}" srcOrd="0" destOrd="0" presId="urn:microsoft.com/office/officeart/2005/8/layout/process1"/>
-    <dgm:cxn modelId="{44E8F657-63E0-4024-9E59-0D665F2D0490}" type="presParOf" srcId="{E1A5BD2C-A898-46AE-98A0-79831D3DBB79}" destId="{F9A07CEE-C547-4199-B342-DF079FD37157}" srcOrd="6" destOrd="0" presId="urn:microsoft.com/office/officeart/2005/8/layout/process1"/>
-    <dgm:cxn modelId="{67684179-EB1B-47A1-8E80-133572B0B084}" type="presParOf" srcId="{E1A5BD2C-A898-46AE-98A0-79831D3DBB79}" destId="{42D69F47-B37A-43F1-A1F2-1238876F54A8}" srcOrd="7" destOrd="0" presId="urn:microsoft.com/office/officeart/2005/8/layout/process1"/>
-    <dgm:cxn modelId="{73E1885B-408F-41F3-9E1D-0C2923CE6478}" type="presParOf" srcId="{42D69F47-B37A-43F1-A1F2-1238876F54A8}" destId="{431D6548-F7DA-4FE8-BEA8-BACABD065F45}" srcOrd="0" destOrd="0" presId="urn:microsoft.com/office/officeart/2005/8/layout/process1"/>
-    <dgm:cxn modelId="{D2DFDF88-7AE6-496B-902B-24FEDA12BA86}" type="presParOf" srcId="{E1A5BD2C-A898-46AE-98A0-79831D3DBB79}" destId="{505D60B7-4C89-4D2D-9279-917800173199}" srcOrd="8" destOrd="0" presId="urn:microsoft.com/office/officeart/2005/8/layout/process1"/>
-    <dgm:cxn modelId="{FBE03683-716D-4ABE-80D1-59AEF8E3E54B}" type="presParOf" srcId="{E1A5BD2C-A898-46AE-98A0-79831D3DBB79}" destId="{F9C523D6-2C21-4227-A481-0D480AB41B3F}" srcOrd="9" destOrd="0" presId="urn:microsoft.com/office/officeart/2005/8/layout/process1"/>
-    <dgm:cxn modelId="{CF61E781-A943-4863-98F6-5F2CCE1FF18C}" type="presParOf" srcId="{F9C523D6-2C21-4227-A481-0D480AB41B3F}" destId="{D3B6EDA6-AACF-40E9-A0A1-675B74054CBC}" srcOrd="0" destOrd="0" presId="urn:microsoft.com/office/officeart/2005/8/layout/process1"/>
-    <dgm:cxn modelId="{A5A96C30-3008-43E0-992C-ABBE7855F06C}" type="presParOf" srcId="{E1A5BD2C-A898-46AE-98A0-79831D3DBB79}" destId="{A5619FB8-0AEF-401F-A341-1E2E82566F8E}" srcOrd="10" destOrd="0" presId="urn:microsoft.com/office/officeart/2005/8/layout/process1"/>
-    <dgm:cxn modelId="{B00435C7-DDAA-4067-9A3A-E072EEF40BE8}" type="presParOf" srcId="{E1A5BD2C-A898-46AE-98A0-79831D3DBB79}" destId="{0500A866-B34A-4802-BC90-35E96D0A8DEB}" srcOrd="11" destOrd="0" presId="urn:microsoft.com/office/officeart/2005/8/layout/process1"/>
-    <dgm:cxn modelId="{A575F9AB-ABD3-4C1C-A209-786F205C2520}" type="presParOf" srcId="{0500A866-B34A-4802-BC90-35E96D0A8DEB}" destId="{8735FC04-7596-4D54-97E6-BDF3424903E3}" srcOrd="0" destOrd="0" presId="urn:microsoft.com/office/officeart/2005/8/layout/process1"/>
-    <dgm:cxn modelId="{AB7CF908-242A-44FD-8F2D-A0ABF1F476B3}" type="presParOf" srcId="{E1A5BD2C-A898-46AE-98A0-79831D3DBB79}" destId="{DB1245DE-7B4C-4FCE-A3B3-E2ADB3C8C6DA}" srcOrd="12" destOrd="0" presId="urn:microsoft.com/office/officeart/2005/8/layout/process1"/>
-    <dgm:cxn modelId="{D1A01F7F-36B3-4021-879C-1FC3793A90AF}" type="presParOf" srcId="{E1A5BD2C-A898-46AE-98A0-79831D3DBB79}" destId="{5A78FFF9-B573-4731-80F2-77A5F5EF122D}" srcOrd="13" destOrd="0" presId="urn:microsoft.com/office/officeart/2005/8/layout/process1"/>
-    <dgm:cxn modelId="{85506778-5BE6-4435-978D-8967EF8582FA}" type="presParOf" srcId="{5A78FFF9-B573-4731-80F2-77A5F5EF122D}" destId="{105FE387-CA97-4A44-BF57-5295283E24FA}" srcOrd="0" destOrd="0" presId="urn:microsoft.com/office/officeart/2005/8/layout/process1"/>
-    <dgm:cxn modelId="{F3F27E7F-9DDA-4DD0-A2DA-71D306C9C502}" type="presParOf" srcId="{E1A5BD2C-A898-46AE-98A0-79831D3DBB79}" destId="{A364EF6D-9913-4539-84F6-90E444008AE2}" srcOrd="14" destOrd="0" presId="urn:microsoft.com/office/officeart/2005/8/layout/process1"/>
+    <dgm:cxn modelId="{6F72B725-8A6D-49D1-8119-7D4166C3BB16}" type="presParOf" srcId="{E1A5BD2C-A898-46AE-98A0-79831D3DBB79}" destId="{B51EFD5A-0501-4790-90A6-F5A082F91545}" srcOrd="0" destOrd="0" presId="urn:microsoft.com/office/officeart/2005/8/layout/process1"/>
+    <dgm:cxn modelId="{EDC4A8BE-E25C-46E1-A339-67FA0911CADD}" type="presParOf" srcId="{E1A5BD2C-A898-46AE-98A0-79831D3DBB79}" destId="{3FD18589-078D-4ADF-856E-35769E0B200A}" srcOrd="1" destOrd="0" presId="urn:microsoft.com/office/officeart/2005/8/layout/process1"/>
+    <dgm:cxn modelId="{1162A91A-3070-451D-B591-476338FCE7E3}" type="presParOf" srcId="{3FD18589-078D-4ADF-856E-35769E0B200A}" destId="{0E3A6AB3-B532-4C22-9F00-344EB876AA81}" srcOrd="0" destOrd="0" presId="urn:microsoft.com/office/officeart/2005/8/layout/process1"/>
+    <dgm:cxn modelId="{71029F04-0EC5-4A55-A438-B275D9BA0774}" type="presParOf" srcId="{E1A5BD2C-A898-46AE-98A0-79831D3DBB79}" destId="{409C177E-4AE4-4634-8FB3-4A041CEDC74B}" srcOrd="2" destOrd="0" presId="urn:microsoft.com/office/officeart/2005/8/layout/process1"/>
+    <dgm:cxn modelId="{3ADA2A1A-F38F-4511-94E9-6B557FF4C17E}" type="presParOf" srcId="{E1A5BD2C-A898-46AE-98A0-79831D3DBB79}" destId="{6BE21F77-8E18-484D-BE64-D53D4682DF5E}" srcOrd="3" destOrd="0" presId="urn:microsoft.com/office/officeart/2005/8/layout/process1"/>
+    <dgm:cxn modelId="{2E499800-3475-4D08-8C5D-21F2A5D6520C}" type="presParOf" srcId="{6BE21F77-8E18-484D-BE64-D53D4682DF5E}" destId="{FF6B5A69-88E8-4933-AE93-C1245B085E1D}" srcOrd="0" destOrd="0" presId="urn:microsoft.com/office/officeart/2005/8/layout/process1"/>
+    <dgm:cxn modelId="{5A31B6D5-6AFF-4918-8B8F-7E9BD08C87FC}" type="presParOf" srcId="{E1A5BD2C-A898-46AE-98A0-79831D3DBB79}" destId="{60733932-A981-44A8-A0BF-E3A14C7173FD}" srcOrd="4" destOrd="0" presId="urn:microsoft.com/office/officeart/2005/8/layout/process1"/>
+    <dgm:cxn modelId="{C7585E2C-CDDD-49B1-AC9A-46E3FD750926}" type="presParOf" srcId="{E1A5BD2C-A898-46AE-98A0-79831D3DBB79}" destId="{DB5C975B-B7F8-4433-9150-51FFA64062BE}" srcOrd="5" destOrd="0" presId="urn:microsoft.com/office/officeart/2005/8/layout/process1"/>
+    <dgm:cxn modelId="{65C9AB9B-EF75-4249-B936-823D33CAD28E}" type="presParOf" srcId="{DB5C975B-B7F8-4433-9150-51FFA64062BE}" destId="{D8814119-4017-4980-B61A-89F4A744DF9A}" srcOrd="0" destOrd="0" presId="urn:microsoft.com/office/officeart/2005/8/layout/process1"/>
+    <dgm:cxn modelId="{634DAA2D-C0FB-4B60-9182-BA0085F216AA}" type="presParOf" srcId="{E1A5BD2C-A898-46AE-98A0-79831D3DBB79}" destId="{F9A07CEE-C547-4199-B342-DF079FD37157}" srcOrd="6" destOrd="0" presId="urn:microsoft.com/office/officeart/2005/8/layout/process1"/>
+    <dgm:cxn modelId="{890BCCF6-B1D7-419B-BCB2-6448C5DDCCDE}" type="presParOf" srcId="{E1A5BD2C-A898-46AE-98A0-79831D3DBB79}" destId="{42D69F47-B37A-43F1-A1F2-1238876F54A8}" srcOrd="7" destOrd="0" presId="urn:microsoft.com/office/officeart/2005/8/layout/process1"/>
+    <dgm:cxn modelId="{C9110B4D-3AA3-4EA7-9B9A-04BE4DC89DEB}" type="presParOf" srcId="{42D69F47-B37A-43F1-A1F2-1238876F54A8}" destId="{431D6548-F7DA-4FE8-BEA8-BACABD065F45}" srcOrd="0" destOrd="0" presId="urn:microsoft.com/office/officeart/2005/8/layout/process1"/>
+    <dgm:cxn modelId="{F8EDC187-FDC1-4016-AAAE-E66800A6E76D}" type="presParOf" srcId="{E1A5BD2C-A898-46AE-98A0-79831D3DBB79}" destId="{AC78D47F-B045-4184-9538-655C30AA2727}" srcOrd="8" destOrd="0" presId="urn:microsoft.com/office/officeart/2005/8/layout/process1"/>
+    <dgm:cxn modelId="{A36D9A45-3582-45A0-852C-DF211397DB3D}" type="presParOf" srcId="{E1A5BD2C-A898-46AE-98A0-79831D3DBB79}" destId="{F0F0D2EE-FD0A-4B70-9B4A-A28D9263665B}" srcOrd="9" destOrd="0" presId="urn:microsoft.com/office/officeart/2005/8/layout/process1"/>
+    <dgm:cxn modelId="{0D27337C-4A5A-40DD-9F68-9E435F9F5668}" type="presParOf" srcId="{F0F0D2EE-FD0A-4B70-9B4A-A28D9263665B}" destId="{1E450C0C-11BD-4C3F-81C3-08C81D922067}" srcOrd="0" destOrd="0" presId="urn:microsoft.com/office/officeart/2005/8/layout/process1"/>
+    <dgm:cxn modelId="{0EA76B24-77B6-4B16-BBD7-FABE4C35C78D}" type="presParOf" srcId="{E1A5BD2C-A898-46AE-98A0-79831D3DBB79}" destId="{80E4DDAD-6101-46DD-8230-482F43CBA338}" srcOrd="10" destOrd="0" presId="urn:microsoft.com/office/officeart/2005/8/layout/process1"/>
+    <dgm:cxn modelId="{DDFEF605-D5A9-4C96-8701-627B33C14991}" type="presParOf" srcId="{E1A5BD2C-A898-46AE-98A0-79831D3DBB79}" destId="{E23BA2B8-93F1-4A81-8A88-C17C6CD6C022}" srcOrd="11" destOrd="0" presId="urn:microsoft.com/office/officeart/2005/8/layout/process1"/>
+    <dgm:cxn modelId="{168DD6D0-2E1F-49FF-816D-ED927CB7E0A3}" type="presParOf" srcId="{E23BA2B8-93F1-4A81-8A88-C17C6CD6C022}" destId="{D25D77CB-0729-4E7A-8AF0-516F565FE05D}" srcOrd="0" destOrd="0" presId="urn:microsoft.com/office/officeart/2005/8/layout/process1"/>
+    <dgm:cxn modelId="{2F886F20-BA9C-4E98-BBCE-961D8937CEC6}" type="presParOf" srcId="{E1A5BD2C-A898-46AE-98A0-79831D3DBB79}" destId="{505D60B7-4C89-4D2D-9279-917800173199}" srcOrd="12" destOrd="0" presId="urn:microsoft.com/office/officeart/2005/8/layout/process1"/>
+    <dgm:cxn modelId="{2AAF0602-3C92-43A8-A18D-46AA8FD6C07B}" type="presParOf" srcId="{E1A5BD2C-A898-46AE-98A0-79831D3DBB79}" destId="{F9C523D6-2C21-4227-A481-0D480AB41B3F}" srcOrd="13" destOrd="0" presId="urn:microsoft.com/office/officeart/2005/8/layout/process1"/>
+    <dgm:cxn modelId="{2819D1B2-00BB-402A-A111-1FB3FD5A91F5}" type="presParOf" srcId="{F9C523D6-2C21-4227-A481-0D480AB41B3F}" destId="{D3B6EDA6-AACF-40E9-A0A1-675B74054CBC}" srcOrd="0" destOrd="0" presId="urn:microsoft.com/office/officeart/2005/8/layout/process1"/>
+    <dgm:cxn modelId="{6D4F3A25-272F-4A90-8C91-3B22C643BC28}" type="presParOf" srcId="{E1A5BD2C-A898-46AE-98A0-79831D3DBB79}" destId="{A5619FB8-0AEF-401F-A341-1E2E82566F8E}" srcOrd="14" destOrd="0" presId="urn:microsoft.com/office/officeart/2005/8/layout/process1"/>
+    <dgm:cxn modelId="{74992A68-A4EA-4EC6-9FB6-AADE547CD1C2}" type="presParOf" srcId="{E1A5BD2C-A898-46AE-98A0-79831D3DBB79}" destId="{0500A866-B34A-4802-BC90-35E96D0A8DEB}" srcOrd="15" destOrd="0" presId="urn:microsoft.com/office/officeart/2005/8/layout/process1"/>
+    <dgm:cxn modelId="{C5EA7092-3C25-45BC-8063-F9ECFE1E379F}" type="presParOf" srcId="{0500A866-B34A-4802-BC90-35E96D0A8DEB}" destId="{8735FC04-7596-4D54-97E6-BDF3424903E3}" srcOrd="0" destOrd="0" presId="urn:microsoft.com/office/officeart/2005/8/layout/process1"/>
+    <dgm:cxn modelId="{FFDF62A7-E6DA-4032-8488-6DCE2736AC24}" type="presParOf" srcId="{E1A5BD2C-A898-46AE-98A0-79831D3DBB79}" destId="{DB1245DE-7B4C-4FCE-A3B3-E2ADB3C8C6DA}" srcOrd="16" destOrd="0" presId="urn:microsoft.com/office/officeart/2005/8/layout/process1"/>
+    <dgm:cxn modelId="{AFF4F448-F3A4-4E2F-B997-84173870C0CA}" type="presParOf" srcId="{E1A5BD2C-A898-46AE-98A0-79831D3DBB79}" destId="{5A78FFF9-B573-4731-80F2-77A5F5EF122D}" srcOrd="17" destOrd="0" presId="urn:microsoft.com/office/officeart/2005/8/layout/process1"/>
+    <dgm:cxn modelId="{56DAC110-7D96-4447-84B5-9C42B3F810CF}" type="presParOf" srcId="{5A78FFF9-B573-4731-80F2-77A5F5EF122D}" destId="{105FE387-CA97-4A44-BF57-5295283E24FA}" srcOrd="0" destOrd="0" presId="urn:microsoft.com/office/officeart/2005/8/layout/process1"/>
+    <dgm:cxn modelId="{A7751D61-9BE6-4F2F-9096-B8B56E46A443}" type="presParOf" srcId="{E1A5BD2C-A898-46AE-98A0-79831D3DBB79}" destId="{A364EF6D-9913-4539-84F6-90E444008AE2}" srcOrd="18" destOrd="0" presId="urn:microsoft.com/office/officeart/2005/8/layout/process1"/>
   </dgm:cxnLst>
   <dgm:bg/>
   <dgm:whole/>
@@ -5620,8 +5743,8 @@
       </dsp:nvSpPr>
       <dsp:spPr>
         <a:xfrm>
-          <a:off x="0" y="1872898"/>
-          <a:ext cx="973001" cy="665897"/>
+          <a:off x="2" y="1935827"/>
+          <a:ext cx="772752" cy="527494"/>
         </a:xfrm>
         <a:prstGeom prst="roundRect">
           <a:avLst>
@@ -5665,12 +5788,12 @@
         </a:fontRef>
       </dsp:style>
       <dsp:txBody>
-        <a:bodyPr spcFirstLastPara="0" vert="horz" wrap="square" lIns="57150" tIns="57150" rIns="57150" bIns="57150" numCol="1" spcCol="1270" anchor="ctr" anchorCtr="0">
+        <a:bodyPr spcFirstLastPara="0" vert="horz" wrap="square" lIns="45720" tIns="45720" rIns="45720" bIns="45720" numCol="1" spcCol="1270" anchor="ctr" anchorCtr="0">
           <a:noAutofit/>
         </a:bodyPr>
         <a:lstStyle/>
         <a:p>
-          <a:pPr marL="0" lvl="0" indent="0" algn="ctr" defTabSz="666750">
+          <a:pPr marL="0" lvl="0" indent="0" algn="ctr" defTabSz="533400">
             <a:lnSpc>
               <a:spcPct val="90000"/>
             </a:lnSpc>
@@ -5683,14 +5806,14 @@
             <a:buNone/>
           </a:pPr>
           <a:r>
-            <a:rPr lang="zh-TW" altLang="en-US" sz="1500" kern="1200" dirty="0"/>
+            <a:rPr lang="zh-TW" altLang="en-US" sz="1200" kern="1200" dirty="0"/>
             <a:t>原圖</a:t>
           </a:r>
         </a:p>
       </dsp:txBody>
       <dsp:txXfrm>
-        <a:off x="19503" y="1892401"/>
-        <a:ext cx="933995" cy="626891"/>
+        <a:off x="15452" y="1951277"/>
+        <a:ext cx="741852" cy="496594"/>
       </dsp:txXfrm>
     </dsp:sp>
     <dsp:sp modelId="{3FD18589-078D-4ADF-856E-35769E0B200A}">
@@ -5699,9 +5822,9 @@
         <dsp:cNvSpPr/>
       </dsp:nvSpPr>
       <dsp:spPr>
-        <a:xfrm rot="40920">
-          <a:off x="1060630" y="2093135"/>
-          <a:ext cx="185800" cy="241304"/>
+        <a:xfrm rot="40806">
+          <a:off x="842405" y="2110043"/>
+          <a:ext cx="147680" cy="191642"/>
         </a:xfrm>
         <a:prstGeom prst="rightArrow">
           <a:avLst>
@@ -5743,7 +5866,7 @@
         </a:bodyPr>
         <a:lstStyle/>
         <a:p>
-          <a:pPr marL="0" lvl="0" indent="0" algn="ctr" defTabSz="444500">
+          <a:pPr marL="0" lvl="0" indent="0" algn="ctr" defTabSz="355600">
             <a:lnSpc>
               <a:spcPct val="90000"/>
             </a:lnSpc>
@@ -5755,12 +5878,12 @@
             </a:spcAft>
             <a:buNone/>
           </a:pPr>
-          <a:endParaRPr lang="zh-TW" altLang="en-US" sz="1000" kern="1200"/>
+          <a:endParaRPr lang="zh-TW" altLang="en-US" sz="800" kern="1200"/>
         </a:p>
       </dsp:txBody>
       <dsp:txXfrm>
-        <a:off x="1060632" y="2141064"/>
-        <a:ext cx="130060" cy="144782"/>
+        <a:off x="842407" y="2148108"/>
+        <a:ext cx="103376" cy="114986"/>
       </dsp:txXfrm>
     </dsp:sp>
     <dsp:sp modelId="{409C177E-4AE4-4634-8FB3-4A041CEDC74B}">
@@ -5770,8 +5893,8 @@
       </dsp:nvSpPr>
       <dsp:spPr>
         <a:xfrm>
-          <a:off x="1323544" y="1888653"/>
-          <a:ext cx="973001" cy="665897"/>
+          <a:off x="1051378" y="1948308"/>
+          <a:ext cx="772752" cy="527494"/>
         </a:xfrm>
         <a:prstGeom prst="roundRect">
           <a:avLst>
@@ -5815,12 +5938,12 @@
         </a:fontRef>
       </dsp:style>
       <dsp:txBody>
-        <a:bodyPr spcFirstLastPara="0" vert="horz" wrap="square" lIns="57150" tIns="57150" rIns="57150" bIns="57150" numCol="1" spcCol="1270" anchor="ctr" anchorCtr="0">
+        <a:bodyPr spcFirstLastPara="0" vert="horz" wrap="square" lIns="45720" tIns="45720" rIns="45720" bIns="45720" numCol="1" spcCol="1270" anchor="ctr" anchorCtr="0">
           <a:noAutofit/>
         </a:bodyPr>
         <a:lstStyle/>
         <a:p>
-          <a:pPr marL="0" lvl="0" indent="0" algn="ctr" defTabSz="666750">
+          <a:pPr marL="0" lvl="0" indent="0" algn="ctr" defTabSz="533400">
             <a:lnSpc>
               <a:spcPct val="90000"/>
             </a:lnSpc>
@@ -5833,14 +5956,14 @@
             <a:buNone/>
           </a:pPr>
           <a:r>
-            <a:rPr lang="zh-TW" altLang="en-US" sz="1500" kern="1200" dirty="0"/>
+            <a:rPr lang="zh-TW" altLang="en-US" sz="1200" kern="1200" dirty="0"/>
             <a:t>灰階</a:t>
           </a:r>
         </a:p>
       </dsp:txBody>
       <dsp:txXfrm>
-        <a:off x="1343047" y="1908156"/>
-        <a:ext cx="933995" cy="626891"/>
+        <a:off x="1066828" y="1963758"/>
+        <a:ext cx="741852" cy="496594"/>
       </dsp:txXfrm>
     </dsp:sp>
     <dsp:sp modelId="{6BE21F77-8E18-484D-BE64-D53D4682DF5E}">
@@ -5849,9 +5972,9 @@
         <dsp:cNvSpPr/>
       </dsp:nvSpPr>
       <dsp:spPr>
-        <a:xfrm rot="21487606">
-          <a:off x="2404347" y="2077772"/>
-          <a:ext cx="228791" cy="241304"/>
+        <a:xfrm rot="21487895">
+          <a:off x="1909747" y="2097873"/>
+          <a:ext cx="181704" cy="191642"/>
         </a:xfrm>
         <a:prstGeom prst="rightArrow">
           <a:avLst>
@@ -5893,7 +6016,7 @@
         </a:bodyPr>
         <a:lstStyle/>
         <a:p>
-          <a:pPr marL="0" lvl="0" indent="0" algn="ctr" defTabSz="444500">
+          <a:pPr marL="0" lvl="0" indent="0" algn="ctr" defTabSz="355600">
             <a:lnSpc>
               <a:spcPct val="90000"/>
             </a:lnSpc>
@@ -5905,12 +6028,12 @@
             </a:spcAft>
             <a:buNone/>
           </a:pPr>
-          <a:endParaRPr lang="zh-TW" altLang="en-US" sz="1000" kern="1200"/>
+          <a:endParaRPr lang="zh-TW" altLang="en-US" sz="800" kern="1200"/>
         </a:p>
       </dsp:txBody>
       <dsp:txXfrm>
-        <a:off x="2404365" y="2127155"/>
-        <a:ext cx="160154" cy="144782"/>
+        <a:off x="1909761" y="2137090"/>
+        <a:ext cx="127193" cy="114986"/>
       </dsp:txXfrm>
     </dsp:sp>
     <dsp:sp modelId="{60733932-A981-44A8-A0BF-E3A14C7173FD}">
@@ -5920,8 +6043,8 @@
       </dsp:nvSpPr>
       <dsp:spPr>
         <a:xfrm>
-          <a:off x="2727997" y="1842720"/>
-          <a:ext cx="973001" cy="665897"/>
+          <a:off x="2166788" y="1911921"/>
+          <a:ext cx="772752" cy="527494"/>
         </a:xfrm>
         <a:prstGeom prst="roundRect">
           <a:avLst>
@@ -5965,12 +6088,12 @@
         </a:fontRef>
       </dsp:style>
       <dsp:txBody>
-        <a:bodyPr spcFirstLastPara="0" vert="horz" wrap="square" lIns="57150" tIns="57150" rIns="57150" bIns="57150" numCol="1" spcCol="1270" anchor="ctr" anchorCtr="0">
+        <a:bodyPr spcFirstLastPara="0" vert="horz" wrap="square" lIns="45720" tIns="45720" rIns="45720" bIns="45720" numCol="1" spcCol="1270" anchor="ctr" anchorCtr="0">
           <a:noAutofit/>
         </a:bodyPr>
         <a:lstStyle/>
         <a:p>
-          <a:pPr marL="0" lvl="0" indent="0" algn="ctr" defTabSz="666750">
+          <a:pPr marL="0" lvl="0" indent="0" algn="ctr" defTabSz="533400">
             <a:lnSpc>
               <a:spcPct val="90000"/>
             </a:lnSpc>
@@ -5983,15 +6106,15 @@
             <a:buNone/>
           </a:pPr>
           <a:r>
-            <a:rPr lang="en-US" altLang="zh-TW" sz="1500" kern="1200" dirty="0" err="1"/>
+            <a:rPr lang="en-US" altLang="zh-TW" sz="1200" kern="1200" dirty="0" err="1"/>
             <a:t>sobel</a:t>
           </a:r>
-          <a:endParaRPr lang="zh-TW" altLang="en-US" sz="1500" kern="1200" dirty="0"/>
+          <a:endParaRPr lang="zh-TW" altLang="en-US" sz="1200" kern="1200" dirty="0"/>
         </a:p>
       </dsp:txBody>
       <dsp:txXfrm>
-        <a:off x="2747500" y="1862223"/>
-        <a:ext cx="933995" cy="626891"/>
+        <a:off x="2182238" y="1927371"/>
+        <a:ext cx="741852" cy="496594"/>
       </dsp:txXfrm>
     </dsp:sp>
     <dsp:sp modelId="{DB5C975B-B7F8-4433-9150-51FFA64062BE}">
@@ -6000,9 +6123,9 @@
         <dsp:cNvSpPr/>
       </dsp:nvSpPr>
       <dsp:spPr>
-        <a:xfrm rot="80396">
-          <a:off x="3783122" y="2070354"/>
-          <a:ext cx="174200" cy="241304"/>
+        <a:xfrm rot="80189">
+          <a:off x="3004763" y="2091997"/>
+          <a:ext cx="138348" cy="191642"/>
         </a:xfrm>
         <a:prstGeom prst="rightArrow">
           <a:avLst>
@@ -6044,7 +6167,7 @@
         </a:bodyPr>
         <a:lstStyle/>
         <a:p>
-          <a:pPr marL="0" lvl="0" indent="0" algn="ctr" defTabSz="444500">
+          <a:pPr marL="0" lvl="0" indent="0" algn="ctr" defTabSz="355600">
             <a:lnSpc>
               <a:spcPct val="90000"/>
             </a:lnSpc>
@@ -6056,12 +6179,12 @@
             </a:spcAft>
             <a:buNone/>
           </a:pPr>
-          <a:endParaRPr lang="zh-TW" altLang="en-US" sz="1000" kern="1200"/>
+          <a:endParaRPr lang="zh-TW" altLang="en-US" sz="800" kern="1200"/>
         </a:p>
       </dsp:txBody>
       <dsp:txXfrm>
-        <a:off x="3783129" y="2118004"/>
-        <a:ext cx="121940" cy="144782"/>
+        <a:off x="3004769" y="2129841"/>
+        <a:ext cx="96844" cy="114986"/>
       </dsp:txXfrm>
     </dsp:sp>
     <dsp:sp modelId="{F9A07CEE-C547-4199-B342-DF079FD37157}">
@@ -6071,8 +6194,8 @@
       </dsp:nvSpPr>
       <dsp:spPr>
         <a:xfrm>
-          <a:off x="4029588" y="1873165"/>
-          <a:ext cx="973001" cy="665897"/>
+          <a:off x="3200506" y="1936038"/>
+          <a:ext cx="772752" cy="527494"/>
         </a:xfrm>
         <a:prstGeom prst="roundRect">
           <a:avLst>
@@ -6116,12 +6239,12 @@
         </a:fontRef>
       </dsp:style>
       <dsp:txBody>
-        <a:bodyPr spcFirstLastPara="0" vert="horz" wrap="square" lIns="57150" tIns="57150" rIns="57150" bIns="57150" numCol="1" spcCol="1270" anchor="ctr" anchorCtr="0">
+        <a:bodyPr spcFirstLastPara="0" vert="horz" wrap="square" lIns="45720" tIns="45720" rIns="45720" bIns="45720" numCol="1" spcCol="1270" anchor="ctr" anchorCtr="0">
           <a:noAutofit/>
         </a:bodyPr>
         <a:lstStyle/>
         <a:p>
-          <a:pPr marL="0" lvl="0" indent="0" algn="ctr" defTabSz="666750">
+          <a:pPr marL="0" lvl="0" indent="0" algn="ctr" defTabSz="533400">
             <a:lnSpc>
               <a:spcPct val="90000"/>
             </a:lnSpc>
@@ -6134,15 +6257,15 @@
             <a:buNone/>
           </a:pPr>
           <a:r>
-            <a:rPr lang="en-US" altLang="zh-TW" sz="1500" kern="1200" dirty="0"/>
+            <a:rPr lang="en-US" altLang="zh-TW" sz="1200" kern="1200" dirty="0"/>
             <a:t>LPB code</a:t>
           </a:r>
-          <a:endParaRPr lang="zh-TW" altLang="en-US" sz="1500" kern="1200" dirty="0"/>
+          <a:endParaRPr lang="zh-TW" altLang="en-US" sz="1200" kern="1200" dirty="0"/>
         </a:p>
       </dsp:txBody>
       <dsp:txXfrm>
-        <a:off x="4049091" y="1892668"/>
-        <a:ext cx="933995" cy="626891"/>
+        <a:off x="3215956" y="1951488"/>
+        <a:ext cx="741852" cy="496594"/>
       </dsp:txXfrm>
     </dsp:sp>
     <dsp:sp modelId="{42D69F47-B37A-43F1-A1F2-1238876F54A8}">
@@ -6151,9 +6274,9 @@
         <dsp:cNvSpPr/>
       </dsp:nvSpPr>
       <dsp:spPr>
-        <a:xfrm rot="21549847">
-          <a:off x="5107109" y="2075221"/>
-          <a:ext cx="221630" cy="241304"/>
+        <a:xfrm rot="21526640">
+          <a:off x="4062546" y="2091791"/>
+          <a:ext cx="189378" cy="191642"/>
         </a:xfrm>
         <a:prstGeom prst="rightArrow">
           <a:avLst>
@@ -6195,7 +6318,7 @@
         </a:bodyPr>
         <a:lstStyle/>
         <a:p>
-          <a:pPr marL="0" lvl="0" indent="0" algn="ctr" defTabSz="444500">
+          <a:pPr marL="0" lvl="0" indent="0" algn="ctr" defTabSz="355600">
             <a:lnSpc>
               <a:spcPct val="90000"/>
             </a:lnSpc>
@@ -6207,23 +6330,23 @@
             </a:spcAft>
             <a:buNone/>
           </a:pPr>
-          <a:endParaRPr lang="zh-TW" altLang="en-US" sz="1000" kern="1200"/>
+          <a:endParaRPr lang="zh-TW" altLang="en-US" sz="800" kern="1200"/>
         </a:p>
       </dsp:txBody>
       <dsp:txXfrm>
-        <a:off x="5107113" y="2123967"/>
-        <a:ext cx="155141" cy="144782"/>
+        <a:off x="4062552" y="2130725"/>
+        <a:ext cx="132565" cy="114986"/>
       </dsp:txXfrm>
     </dsp:sp>
-    <dsp:sp modelId="{505D60B7-4C89-4D2D-9279-917800173199}">
+    <dsp:sp modelId="{AC78D47F-B045-4184-9538-655C30AA2727}">
       <dsp:nvSpPr>
         <dsp:cNvPr id="0" name=""/>
         <dsp:cNvSpPr/>
       </dsp:nvSpPr>
       <dsp:spPr>
         <a:xfrm>
-          <a:off x="5420715" y="1852868"/>
-          <a:ext cx="973001" cy="665897"/>
+          <a:off x="4330496" y="1911921"/>
+          <a:ext cx="772752" cy="527494"/>
         </a:xfrm>
         <a:prstGeom prst="roundRect">
           <a:avLst>
@@ -6267,12 +6390,12 @@
         </a:fontRef>
       </dsp:style>
       <dsp:txBody>
-        <a:bodyPr spcFirstLastPara="0" vert="horz" wrap="square" lIns="57150" tIns="57150" rIns="57150" bIns="57150" numCol="1" spcCol="1270" anchor="ctr" anchorCtr="0">
+        <a:bodyPr spcFirstLastPara="0" vert="horz" wrap="square" lIns="45720" tIns="45720" rIns="45720" bIns="45720" numCol="1" spcCol="1270" anchor="ctr" anchorCtr="0">
           <a:noAutofit/>
         </a:bodyPr>
         <a:lstStyle/>
         <a:p>
-          <a:pPr marL="0" lvl="0" indent="0" algn="ctr" defTabSz="666750">
+          <a:pPr marL="0" lvl="0" indent="0" algn="ctr" defTabSz="533400">
             <a:lnSpc>
               <a:spcPct val="90000"/>
             </a:lnSpc>
@@ -6285,26 +6408,29 @@
             <a:buNone/>
           </a:pPr>
           <a:r>
-            <a:rPr lang="en-US" altLang="zh-TW" sz="1500" kern="1200" dirty="0" err="1"/>
-            <a:t>histagram</a:t>
+            <a:rPr lang="en-US" altLang="zh-TW" sz="1200" kern="1200" dirty="0"/>
+            <a:t>HSV</a:t>
           </a:r>
-          <a:endParaRPr lang="zh-TW" altLang="en-US" sz="1500" kern="1200" dirty="0"/>
+          <a:r>
+            <a:rPr lang="zh-TW" altLang="en-US" sz="1200" kern="1200" dirty="0"/>
+            <a:t>顏色過濾</a:t>
+          </a:r>
         </a:p>
       </dsp:txBody>
       <dsp:txXfrm>
-        <a:off x="5440218" y="1872371"/>
-        <a:ext cx="933995" cy="626891"/>
+        <a:off x="4345946" y="1927371"/>
+        <a:ext cx="741852" cy="496594"/>
       </dsp:txXfrm>
     </dsp:sp>
-    <dsp:sp modelId="{F9C523D6-2C21-4227-A481-0D480AB41B3F}">
+    <dsp:sp modelId="{F0F0D2EE-FD0A-4B70-9B4A-A28D9263665B}">
       <dsp:nvSpPr>
         <dsp:cNvPr id="0" name=""/>
         <dsp:cNvSpPr/>
       </dsp:nvSpPr>
       <dsp:spPr>
-        <a:xfrm rot="21574972">
-          <a:off x="6498934" y="2060045"/>
-          <a:ext cx="223075" cy="241304"/>
+        <a:xfrm>
+          <a:off x="5180524" y="2079847"/>
+          <a:ext cx="163823" cy="191642"/>
         </a:xfrm>
         <a:prstGeom prst="rightArrow">
           <a:avLst>
@@ -6346,7 +6472,7 @@
         </a:bodyPr>
         <a:lstStyle/>
         <a:p>
-          <a:pPr marL="0" lvl="0" indent="0" algn="ctr" defTabSz="444500">
+          <a:pPr marL="0" lvl="0" indent="0" algn="ctr" defTabSz="355600">
             <a:lnSpc>
               <a:spcPct val="90000"/>
             </a:lnSpc>
@@ -6358,23 +6484,23 @@
             </a:spcAft>
             <a:buNone/>
           </a:pPr>
-          <a:endParaRPr lang="zh-TW" altLang="en-US" sz="1000" kern="1200"/>
+          <a:endParaRPr lang="zh-TW" altLang="en-US" sz="800" kern="1200"/>
         </a:p>
       </dsp:txBody>
       <dsp:txXfrm>
-        <a:off x="6498935" y="2108550"/>
-        <a:ext cx="156153" cy="144782"/>
+        <a:off x="5180524" y="2118175"/>
+        <a:ext cx="114676" cy="114986"/>
       </dsp:txXfrm>
     </dsp:sp>
-    <dsp:sp modelId="{A5619FB8-0AEF-401F-A341-1E2E82566F8E}">
+    <dsp:sp modelId="{80E4DDAD-6101-46DD-8230-482F43CBA338}">
       <dsp:nvSpPr>
         <dsp:cNvPr id="0" name=""/>
         <dsp:cNvSpPr/>
       </dsp:nvSpPr>
       <dsp:spPr>
         <a:xfrm>
-          <a:off x="6814601" y="1842720"/>
-          <a:ext cx="973001" cy="665897"/>
+          <a:off x="5412350" y="1911921"/>
+          <a:ext cx="772752" cy="527494"/>
         </a:xfrm>
         <a:prstGeom prst="roundRect">
           <a:avLst>
@@ -6418,12 +6544,12 @@
         </a:fontRef>
       </dsp:style>
       <dsp:txBody>
-        <a:bodyPr spcFirstLastPara="0" vert="horz" wrap="square" lIns="57150" tIns="57150" rIns="57150" bIns="57150" numCol="1" spcCol="1270" anchor="ctr" anchorCtr="0">
+        <a:bodyPr spcFirstLastPara="0" vert="horz" wrap="square" lIns="45720" tIns="45720" rIns="45720" bIns="45720" numCol="1" spcCol="1270" anchor="ctr" anchorCtr="0">
           <a:noAutofit/>
         </a:bodyPr>
         <a:lstStyle/>
         <a:p>
-          <a:pPr marL="0" lvl="0" indent="0" algn="ctr" defTabSz="666750">
+          <a:pPr marL="0" lvl="0" indent="0" algn="ctr" defTabSz="533400">
             <a:lnSpc>
               <a:spcPct val="90000"/>
             </a:lnSpc>
@@ -6436,43 +6562,25 @@
             <a:buNone/>
           </a:pPr>
           <a:r>
-            <a:rPr lang="en-US" altLang="zh-TW" sz="1500" kern="1200" dirty="0"/>
-            <a:t>Distance</a:t>
-          </a:r>
-        </a:p>
-        <a:p>
-          <a:pPr marL="0" lvl="0" indent="0" algn="ctr" defTabSz="666750">
-            <a:lnSpc>
-              <a:spcPct val="90000"/>
-            </a:lnSpc>
-            <a:spcBef>
-              <a:spcPct val="0"/>
-            </a:spcBef>
-            <a:spcAft>
-              <a:spcPct val="35000"/>
-            </a:spcAft>
-            <a:buNone/>
-          </a:pPr>
-          <a:r>
-            <a:rPr lang="en-US" altLang="zh-TW" sz="1500" kern="1200" dirty="0"/>
-            <a:t>measure</a:t>
+            <a:rPr lang="zh-TW" altLang="en-US" sz="1200" kern="1200" dirty="0"/>
+            <a:t>形態學處理</a:t>
           </a:r>
         </a:p>
       </dsp:txBody>
       <dsp:txXfrm>
-        <a:off x="6834104" y="1862223"/>
-        <a:ext cx="933995" cy="626891"/>
+        <a:off x="5427800" y="1927371"/>
+        <a:ext cx="741852" cy="496594"/>
       </dsp:txXfrm>
     </dsp:sp>
-    <dsp:sp modelId="{0500A866-B34A-4802-BC90-35E96D0A8DEB}">
+    <dsp:sp modelId="{E23BA2B8-93F1-4A81-8A88-C17C6CD6C022}">
       <dsp:nvSpPr>
         <dsp:cNvPr id="0" name=""/>
         <dsp:cNvSpPr/>
       </dsp:nvSpPr>
       <dsp:spPr>
-        <a:xfrm>
-          <a:off x="7884902" y="2055016"/>
-          <a:ext cx="206276" cy="241304"/>
+        <a:xfrm rot="26153">
+          <a:off x="6256085" y="2083899"/>
+          <a:ext cx="150491" cy="191642"/>
         </a:xfrm>
         <a:prstGeom prst="rightArrow">
           <a:avLst>
@@ -6514,7 +6622,7 @@
         </a:bodyPr>
         <a:lstStyle/>
         <a:p>
-          <a:pPr marL="0" lvl="0" indent="0" algn="ctr" defTabSz="444500">
+          <a:pPr marL="0" lvl="0" indent="0" algn="ctr" defTabSz="355600">
             <a:lnSpc>
               <a:spcPct val="90000"/>
             </a:lnSpc>
@@ -6526,23 +6634,23 @@
             </a:spcAft>
             <a:buNone/>
           </a:pPr>
-          <a:endParaRPr lang="zh-TW" altLang="en-US" sz="1000" kern="1200"/>
+          <a:endParaRPr lang="zh-TW" altLang="en-US" sz="800" kern="1200"/>
         </a:p>
       </dsp:txBody>
       <dsp:txXfrm>
-        <a:off x="7884902" y="2103277"/>
-        <a:ext cx="144393" cy="144782"/>
+        <a:off x="6256086" y="2122055"/>
+        <a:ext cx="105344" cy="114986"/>
       </dsp:txXfrm>
     </dsp:sp>
-    <dsp:sp modelId="{DB1245DE-7B4C-4FCE-A3B3-E2ADB3C8C6DA}">
+    <dsp:sp modelId="{505D60B7-4C89-4D2D-9279-917800173199}">
       <dsp:nvSpPr>
         <dsp:cNvPr id="0" name=""/>
         <dsp:cNvSpPr/>
       </dsp:nvSpPr>
       <dsp:spPr>
         <a:xfrm>
-          <a:off x="8176803" y="1842720"/>
-          <a:ext cx="973001" cy="665897"/>
+          <a:off x="6469040" y="1919960"/>
+          <a:ext cx="772752" cy="527494"/>
         </a:xfrm>
         <a:prstGeom prst="roundRect">
           <a:avLst>
@@ -6586,12 +6694,12 @@
         </a:fontRef>
       </dsp:style>
       <dsp:txBody>
-        <a:bodyPr spcFirstLastPara="0" vert="horz" wrap="square" lIns="57150" tIns="57150" rIns="57150" bIns="57150" numCol="1" spcCol="1270" anchor="ctr" anchorCtr="0">
+        <a:bodyPr spcFirstLastPara="0" vert="horz" wrap="square" lIns="45720" tIns="45720" rIns="45720" bIns="45720" numCol="1" spcCol="1270" anchor="ctr" anchorCtr="0">
           <a:noAutofit/>
         </a:bodyPr>
         <a:lstStyle/>
         <a:p>
-          <a:pPr marL="0" lvl="0" indent="0" algn="ctr" defTabSz="666750">
+          <a:pPr marL="0" lvl="0" indent="0" algn="ctr" defTabSz="533400">
             <a:lnSpc>
               <a:spcPct val="90000"/>
             </a:lnSpc>
@@ -6604,26 +6712,26 @@
             <a:buNone/>
           </a:pPr>
           <a:r>
-            <a:rPr lang="en-US" altLang="zh-TW" sz="1500" kern="1200" dirty="0"/>
-            <a:t>labeling</a:t>
+            <a:rPr lang="en-US" altLang="zh-TW" sz="1200" kern="1200" dirty="0" err="1"/>
+            <a:t>histagram</a:t>
           </a:r>
-          <a:endParaRPr lang="zh-TW" altLang="en-US" sz="1500" kern="1200" dirty="0"/>
+          <a:endParaRPr lang="zh-TW" altLang="en-US" sz="1200" kern="1200" dirty="0"/>
         </a:p>
       </dsp:txBody>
       <dsp:txXfrm>
-        <a:off x="8196306" y="1862223"/>
-        <a:ext cx="933995" cy="626891"/>
+        <a:off x="6484490" y="1935410"/>
+        <a:ext cx="741852" cy="496594"/>
       </dsp:txXfrm>
     </dsp:sp>
-    <dsp:sp modelId="{5A78FFF9-B573-4731-80F2-77A5F5EF122D}">
+    <dsp:sp modelId="{F9C523D6-2C21-4227-A481-0D480AB41B3F}">
       <dsp:nvSpPr>
         <dsp:cNvPr id="0" name=""/>
         <dsp:cNvSpPr/>
       </dsp:nvSpPr>
       <dsp:spPr>
-        <a:xfrm>
-          <a:off x="9247104" y="2055016"/>
-          <a:ext cx="206276" cy="241304"/>
+        <a:xfrm rot="21575036">
+          <a:off x="7325357" y="2083830"/>
+          <a:ext cx="177165" cy="191642"/>
         </a:xfrm>
         <a:prstGeom prst="rightArrow">
           <a:avLst>
@@ -6665,7 +6773,7 @@
         </a:bodyPr>
         <a:lstStyle/>
         <a:p>
-          <a:pPr marL="0" lvl="0" indent="0" algn="ctr" defTabSz="444500">
+          <a:pPr marL="0" lvl="0" indent="0" algn="ctr" defTabSz="355600">
             <a:lnSpc>
               <a:spcPct val="90000"/>
             </a:lnSpc>
@@ -6677,23 +6785,23 @@
             </a:spcAft>
             <a:buNone/>
           </a:pPr>
-          <a:endParaRPr lang="zh-TW" altLang="en-US" sz="1000" kern="1200"/>
+          <a:endParaRPr lang="zh-TW" altLang="en-US" sz="800" kern="1200"/>
         </a:p>
       </dsp:txBody>
       <dsp:txXfrm>
-        <a:off x="9247104" y="2103277"/>
-        <a:ext cx="144393" cy="144782"/>
+        <a:off x="7325358" y="2122351"/>
+        <a:ext cx="124016" cy="114986"/>
       </dsp:txXfrm>
     </dsp:sp>
-    <dsp:sp modelId="{A364EF6D-9913-4539-84F6-90E444008AE2}">
+    <dsp:sp modelId="{A5619FB8-0AEF-401F-A341-1E2E82566F8E}">
       <dsp:nvSpPr>
         <dsp:cNvPr id="0" name=""/>
         <dsp:cNvSpPr/>
       </dsp:nvSpPr>
       <dsp:spPr>
         <a:xfrm>
-          <a:off x="9539004" y="1842720"/>
-          <a:ext cx="973001" cy="665897"/>
+          <a:off x="7576058" y="1911921"/>
+          <a:ext cx="772752" cy="527494"/>
         </a:xfrm>
         <a:prstGeom prst="roundRect">
           <a:avLst>
@@ -6737,12 +6845,12 @@
         </a:fontRef>
       </dsp:style>
       <dsp:txBody>
-        <a:bodyPr spcFirstLastPara="0" vert="horz" wrap="square" lIns="57150" tIns="57150" rIns="57150" bIns="57150" numCol="1" spcCol="1270" anchor="ctr" anchorCtr="0">
+        <a:bodyPr spcFirstLastPara="0" vert="horz" wrap="square" lIns="45720" tIns="45720" rIns="45720" bIns="45720" numCol="1" spcCol="1270" anchor="ctr" anchorCtr="0">
           <a:noAutofit/>
         </a:bodyPr>
         <a:lstStyle/>
         <a:p>
-          <a:pPr marL="0" lvl="0" indent="0" algn="ctr" defTabSz="666750">
+          <a:pPr marL="0" lvl="0" indent="0" algn="ctr" defTabSz="533400">
             <a:lnSpc>
               <a:spcPct val="90000"/>
             </a:lnSpc>
@@ -6755,14 +6863,333 @@
             <a:buNone/>
           </a:pPr>
           <a:r>
-            <a:rPr lang="zh-TW" altLang="en-US" sz="1500" kern="1200" dirty="0"/>
+            <a:rPr lang="en-US" altLang="zh-TW" sz="1200" kern="1200" dirty="0"/>
+            <a:t>Distance</a:t>
+          </a:r>
+        </a:p>
+        <a:p>
+          <a:pPr marL="0" lvl="0" indent="0" algn="ctr" defTabSz="533400">
+            <a:lnSpc>
+              <a:spcPct val="90000"/>
+            </a:lnSpc>
+            <a:spcBef>
+              <a:spcPct val="0"/>
+            </a:spcBef>
+            <a:spcAft>
+              <a:spcPct val="35000"/>
+            </a:spcAft>
+            <a:buNone/>
+          </a:pPr>
+          <a:r>
+            <a:rPr lang="en-US" altLang="zh-TW" sz="1200" kern="1200" dirty="0"/>
+            <a:t>measure</a:t>
+          </a:r>
+        </a:p>
+      </dsp:txBody>
+      <dsp:txXfrm>
+        <a:off x="7591508" y="1927371"/>
+        <a:ext cx="741852" cy="496594"/>
+      </dsp:txXfrm>
+    </dsp:sp>
+    <dsp:sp modelId="{0500A866-B34A-4802-BC90-35E96D0A8DEB}">
+      <dsp:nvSpPr>
+        <dsp:cNvPr id="0" name=""/>
+        <dsp:cNvSpPr/>
+      </dsp:nvSpPr>
+      <dsp:spPr>
+        <a:xfrm>
+          <a:off x="8426086" y="2079847"/>
+          <a:ext cx="163823" cy="191642"/>
+        </a:xfrm>
+        <a:prstGeom prst="rightArrow">
+          <a:avLst>
+            <a:gd name="adj1" fmla="val 60000"/>
+            <a:gd name="adj2" fmla="val 50000"/>
+          </a:avLst>
+        </a:prstGeom>
+        <a:solidFill>
+          <a:schemeClr val="accent1">
+            <a:tint val="60000"/>
+            <a:hueOff val="0"/>
+            <a:satOff val="0"/>
+            <a:lumOff val="0"/>
+            <a:alphaOff val="0"/>
+          </a:schemeClr>
+        </a:solidFill>
+        <a:ln>
+          <a:noFill/>
+        </a:ln>
+        <a:effectLst/>
+      </dsp:spPr>
+      <dsp:style>
+        <a:lnRef idx="0">
+          <a:scrgbClr r="0" g="0" b="0"/>
+        </a:lnRef>
+        <a:fillRef idx="1">
+          <a:scrgbClr r="0" g="0" b="0"/>
+        </a:fillRef>
+        <a:effectRef idx="0">
+          <a:scrgbClr r="0" g="0" b="0"/>
+        </a:effectRef>
+        <a:fontRef idx="minor">
+          <a:schemeClr val="lt1"/>
+        </a:fontRef>
+      </dsp:style>
+      <dsp:txBody>
+        <a:bodyPr spcFirstLastPara="0" vert="horz" wrap="square" lIns="0" tIns="0" rIns="0" bIns="0" numCol="1" spcCol="1270" anchor="ctr" anchorCtr="0">
+          <a:noAutofit/>
+        </a:bodyPr>
+        <a:lstStyle/>
+        <a:p>
+          <a:pPr marL="0" lvl="0" indent="0" algn="ctr" defTabSz="355600">
+            <a:lnSpc>
+              <a:spcPct val="90000"/>
+            </a:lnSpc>
+            <a:spcBef>
+              <a:spcPct val="0"/>
+            </a:spcBef>
+            <a:spcAft>
+              <a:spcPct val="35000"/>
+            </a:spcAft>
+            <a:buNone/>
+          </a:pPr>
+          <a:endParaRPr lang="zh-TW" altLang="en-US" sz="800" kern="1200"/>
+        </a:p>
+      </dsp:txBody>
+      <dsp:txXfrm>
+        <a:off x="8426086" y="2118175"/>
+        <a:ext cx="114676" cy="114986"/>
+      </dsp:txXfrm>
+    </dsp:sp>
+    <dsp:sp modelId="{DB1245DE-7B4C-4FCE-A3B3-E2ADB3C8C6DA}">
+      <dsp:nvSpPr>
+        <dsp:cNvPr id="0" name=""/>
+        <dsp:cNvSpPr/>
+      </dsp:nvSpPr>
+      <dsp:spPr>
+        <a:xfrm>
+          <a:off x="8657912" y="1911921"/>
+          <a:ext cx="772752" cy="527494"/>
+        </a:xfrm>
+        <a:prstGeom prst="roundRect">
+          <a:avLst>
+            <a:gd name="adj" fmla="val 10000"/>
+          </a:avLst>
+        </a:prstGeom>
+        <a:solidFill>
+          <a:schemeClr val="accent1">
+            <a:hueOff val="0"/>
+            <a:satOff val="0"/>
+            <a:lumOff val="0"/>
+            <a:alphaOff val="0"/>
+          </a:schemeClr>
+        </a:solidFill>
+        <a:ln w="12700" cap="flat" cmpd="sng" algn="ctr">
+          <a:solidFill>
+            <a:schemeClr val="lt1">
+              <a:hueOff val="0"/>
+              <a:satOff val="0"/>
+              <a:lumOff val="0"/>
+              <a:alphaOff val="0"/>
+            </a:schemeClr>
+          </a:solidFill>
+          <a:prstDash val="solid"/>
+          <a:miter lim="800000"/>
+        </a:ln>
+        <a:effectLst/>
+      </dsp:spPr>
+      <dsp:style>
+        <a:lnRef idx="2">
+          <a:scrgbClr r="0" g="0" b="0"/>
+        </a:lnRef>
+        <a:fillRef idx="1">
+          <a:scrgbClr r="0" g="0" b="0"/>
+        </a:fillRef>
+        <a:effectRef idx="0">
+          <a:scrgbClr r="0" g="0" b="0"/>
+        </a:effectRef>
+        <a:fontRef idx="minor">
+          <a:schemeClr val="lt1"/>
+        </a:fontRef>
+      </dsp:style>
+      <dsp:txBody>
+        <a:bodyPr spcFirstLastPara="0" vert="horz" wrap="square" lIns="45720" tIns="45720" rIns="45720" bIns="45720" numCol="1" spcCol="1270" anchor="ctr" anchorCtr="0">
+          <a:noAutofit/>
+        </a:bodyPr>
+        <a:lstStyle/>
+        <a:p>
+          <a:pPr marL="0" lvl="0" indent="0" algn="ctr" defTabSz="533400">
+            <a:lnSpc>
+              <a:spcPct val="90000"/>
+            </a:lnSpc>
+            <a:spcBef>
+              <a:spcPct val="0"/>
+            </a:spcBef>
+            <a:spcAft>
+              <a:spcPct val="35000"/>
+            </a:spcAft>
+            <a:buNone/>
+          </a:pPr>
+          <a:r>
+            <a:rPr lang="en-US" altLang="zh-TW" sz="1200" kern="1200" dirty="0"/>
+            <a:t>labeling</a:t>
+          </a:r>
+          <a:endParaRPr lang="zh-TW" altLang="en-US" sz="1200" kern="1200" dirty="0"/>
+        </a:p>
+      </dsp:txBody>
+      <dsp:txXfrm>
+        <a:off x="8673362" y="1927371"/>
+        <a:ext cx="741852" cy="496594"/>
+      </dsp:txXfrm>
+    </dsp:sp>
+    <dsp:sp modelId="{5A78FFF9-B573-4731-80F2-77A5F5EF122D}">
+      <dsp:nvSpPr>
+        <dsp:cNvPr id="0" name=""/>
+        <dsp:cNvSpPr/>
+      </dsp:nvSpPr>
+      <dsp:spPr>
+        <a:xfrm>
+          <a:off x="9507940" y="2079847"/>
+          <a:ext cx="163823" cy="191642"/>
+        </a:xfrm>
+        <a:prstGeom prst="rightArrow">
+          <a:avLst>
+            <a:gd name="adj1" fmla="val 60000"/>
+            <a:gd name="adj2" fmla="val 50000"/>
+          </a:avLst>
+        </a:prstGeom>
+        <a:solidFill>
+          <a:schemeClr val="accent1">
+            <a:tint val="60000"/>
+            <a:hueOff val="0"/>
+            <a:satOff val="0"/>
+            <a:lumOff val="0"/>
+            <a:alphaOff val="0"/>
+          </a:schemeClr>
+        </a:solidFill>
+        <a:ln>
+          <a:noFill/>
+        </a:ln>
+        <a:effectLst/>
+      </dsp:spPr>
+      <dsp:style>
+        <a:lnRef idx="0">
+          <a:scrgbClr r="0" g="0" b="0"/>
+        </a:lnRef>
+        <a:fillRef idx="1">
+          <a:scrgbClr r="0" g="0" b="0"/>
+        </a:fillRef>
+        <a:effectRef idx="0">
+          <a:scrgbClr r="0" g="0" b="0"/>
+        </a:effectRef>
+        <a:fontRef idx="minor">
+          <a:schemeClr val="lt1"/>
+        </a:fontRef>
+      </dsp:style>
+      <dsp:txBody>
+        <a:bodyPr spcFirstLastPara="0" vert="horz" wrap="square" lIns="0" tIns="0" rIns="0" bIns="0" numCol="1" spcCol="1270" anchor="ctr" anchorCtr="0">
+          <a:noAutofit/>
+        </a:bodyPr>
+        <a:lstStyle/>
+        <a:p>
+          <a:pPr marL="0" lvl="0" indent="0" algn="ctr" defTabSz="355600">
+            <a:lnSpc>
+              <a:spcPct val="90000"/>
+            </a:lnSpc>
+            <a:spcBef>
+              <a:spcPct val="0"/>
+            </a:spcBef>
+            <a:spcAft>
+              <a:spcPct val="35000"/>
+            </a:spcAft>
+            <a:buNone/>
+          </a:pPr>
+          <a:endParaRPr lang="zh-TW" altLang="en-US" sz="800" kern="1200"/>
+        </a:p>
+      </dsp:txBody>
+      <dsp:txXfrm>
+        <a:off x="9507940" y="2118175"/>
+        <a:ext cx="114676" cy="114986"/>
+      </dsp:txXfrm>
+    </dsp:sp>
+    <dsp:sp modelId="{A364EF6D-9913-4539-84F6-90E444008AE2}">
+      <dsp:nvSpPr>
+        <dsp:cNvPr id="0" name=""/>
+        <dsp:cNvSpPr/>
+      </dsp:nvSpPr>
+      <dsp:spPr>
+        <a:xfrm>
+          <a:off x="9739766" y="1911921"/>
+          <a:ext cx="772752" cy="527494"/>
+        </a:xfrm>
+        <a:prstGeom prst="roundRect">
+          <a:avLst>
+            <a:gd name="adj" fmla="val 10000"/>
+          </a:avLst>
+        </a:prstGeom>
+        <a:solidFill>
+          <a:schemeClr val="accent1">
+            <a:hueOff val="0"/>
+            <a:satOff val="0"/>
+            <a:lumOff val="0"/>
+            <a:alphaOff val="0"/>
+          </a:schemeClr>
+        </a:solidFill>
+        <a:ln w="12700" cap="flat" cmpd="sng" algn="ctr">
+          <a:solidFill>
+            <a:schemeClr val="lt1">
+              <a:hueOff val="0"/>
+              <a:satOff val="0"/>
+              <a:lumOff val="0"/>
+              <a:alphaOff val="0"/>
+            </a:schemeClr>
+          </a:solidFill>
+          <a:prstDash val="solid"/>
+          <a:miter lim="800000"/>
+        </a:ln>
+        <a:effectLst/>
+      </dsp:spPr>
+      <dsp:style>
+        <a:lnRef idx="2">
+          <a:scrgbClr r="0" g="0" b="0"/>
+        </a:lnRef>
+        <a:fillRef idx="1">
+          <a:scrgbClr r="0" g="0" b="0"/>
+        </a:fillRef>
+        <a:effectRef idx="0">
+          <a:scrgbClr r="0" g="0" b="0"/>
+        </a:effectRef>
+        <a:fontRef idx="minor">
+          <a:schemeClr val="lt1"/>
+        </a:fontRef>
+      </dsp:style>
+      <dsp:txBody>
+        <a:bodyPr spcFirstLastPara="0" vert="horz" wrap="square" lIns="45720" tIns="45720" rIns="45720" bIns="45720" numCol="1" spcCol="1270" anchor="ctr" anchorCtr="0">
+          <a:noAutofit/>
+        </a:bodyPr>
+        <a:lstStyle/>
+        <a:p>
+          <a:pPr marL="0" lvl="0" indent="0" algn="ctr" defTabSz="533400">
+            <a:lnSpc>
+              <a:spcPct val="90000"/>
+            </a:lnSpc>
+            <a:spcBef>
+              <a:spcPct val="0"/>
+            </a:spcBef>
+            <a:spcAft>
+              <a:spcPct val="35000"/>
+            </a:spcAft>
+            <a:buNone/>
+          </a:pPr>
+          <a:r>
+            <a:rPr lang="zh-TW" altLang="en-US" sz="1200" kern="1200" dirty="0"/>
             <a:t>輸出</a:t>
           </a:r>
         </a:p>
       </dsp:txBody>
       <dsp:txXfrm>
-        <a:off x="9558507" y="1862223"/>
-        <a:ext cx="933995" cy="626891"/>
+        <a:off x="9755216" y="1927371"/>
+        <a:ext cx="741852" cy="496594"/>
       </dsp:txXfrm>
     </dsp:sp>
   </dsp:spTree>
@@ -9641,7 +10068,7 @@
           <a:p>
             <a:fld id="{968F73EE-8185-4088-B27C-B2EBD84A59E6}" type="datetimeFigureOut">
               <a:rPr lang="zh-TW" altLang="en-US" smtClean="0"/>
-              <a:t>2024/11/9</a:t>
+              <a:t>2024/11/20</a:t>
             </a:fld>
             <a:endParaRPr lang="zh-TW" altLang="en-US"/>
           </a:p>
@@ -9839,7 +10266,7 @@
           <a:p>
             <a:fld id="{968F73EE-8185-4088-B27C-B2EBD84A59E6}" type="datetimeFigureOut">
               <a:rPr lang="zh-TW" altLang="en-US" smtClean="0"/>
-              <a:t>2024/11/9</a:t>
+              <a:t>2024/11/20</a:t>
             </a:fld>
             <a:endParaRPr lang="zh-TW" altLang="en-US"/>
           </a:p>
@@ -10047,7 +10474,7 @@
           <a:p>
             <a:fld id="{968F73EE-8185-4088-B27C-B2EBD84A59E6}" type="datetimeFigureOut">
               <a:rPr lang="zh-TW" altLang="en-US" smtClean="0"/>
-              <a:t>2024/11/9</a:t>
+              <a:t>2024/11/20</a:t>
             </a:fld>
             <a:endParaRPr lang="zh-TW" altLang="en-US"/>
           </a:p>
@@ -10245,7 +10672,7 @@
           <a:p>
             <a:fld id="{968F73EE-8185-4088-B27C-B2EBD84A59E6}" type="datetimeFigureOut">
               <a:rPr lang="zh-TW" altLang="en-US" smtClean="0"/>
-              <a:t>2024/11/9</a:t>
+              <a:t>2024/11/20</a:t>
             </a:fld>
             <a:endParaRPr lang="zh-TW" altLang="en-US"/>
           </a:p>
@@ -10520,7 +10947,7 @@
           <a:p>
             <a:fld id="{968F73EE-8185-4088-B27C-B2EBD84A59E6}" type="datetimeFigureOut">
               <a:rPr lang="zh-TW" altLang="en-US" smtClean="0"/>
-              <a:t>2024/11/9</a:t>
+              <a:t>2024/11/20</a:t>
             </a:fld>
             <a:endParaRPr lang="zh-TW" altLang="en-US"/>
           </a:p>
@@ -10785,7 +11212,7 @@
           <a:p>
             <a:fld id="{968F73EE-8185-4088-B27C-B2EBD84A59E6}" type="datetimeFigureOut">
               <a:rPr lang="zh-TW" altLang="en-US" smtClean="0"/>
-              <a:t>2024/11/9</a:t>
+              <a:t>2024/11/20</a:t>
             </a:fld>
             <a:endParaRPr lang="zh-TW" altLang="en-US"/>
           </a:p>
@@ -11197,7 +11624,7 @@
           <a:p>
             <a:fld id="{968F73EE-8185-4088-B27C-B2EBD84A59E6}" type="datetimeFigureOut">
               <a:rPr lang="zh-TW" altLang="en-US" smtClean="0"/>
-              <a:t>2024/11/9</a:t>
+              <a:t>2024/11/20</a:t>
             </a:fld>
             <a:endParaRPr lang="zh-TW" altLang="en-US"/>
           </a:p>
@@ -11338,7 +11765,7 @@
           <a:p>
             <a:fld id="{968F73EE-8185-4088-B27C-B2EBD84A59E6}" type="datetimeFigureOut">
               <a:rPr lang="zh-TW" altLang="en-US" smtClean="0"/>
-              <a:t>2024/11/9</a:t>
+              <a:t>2024/11/20</a:t>
             </a:fld>
             <a:endParaRPr lang="zh-TW" altLang="en-US"/>
           </a:p>
@@ -11451,7 +11878,7 @@
           <a:p>
             <a:fld id="{968F73EE-8185-4088-B27C-B2EBD84A59E6}" type="datetimeFigureOut">
               <a:rPr lang="zh-TW" altLang="en-US" smtClean="0"/>
-              <a:t>2024/11/9</a:t>
+              <a:t>2024/11/20</a:t>
             </a:fld>
             <a:endParaRPr lang="zh-TW" altLang="en-US"/>
           </a:p>
@@ -11762,7 +12189,7 @@
           <a:p>
             <a:fld id="{968F73EE-8185-4088-B27C-B2EBD84A59E6}" type="datetimeFigureOut">
               <a:rPr lang="zh-TW" altLang="en-US" smtClean="0"/>
-              <a:t>2024/11/9</a:t>
+              <a:t>2024/11/20</a:t>
             </a:fld>
             <a:endParaRPr lang="zh-TW" altLang="en-US"/>
           </a:p>
@@ -12050,7 +12477,7 @@
           <a:p>
             <a:fld id="{968F73EE-8185-4088-B27C-B2EBD84A59E6}" type="datetimeFigureOut">
               <a:rPr lang="zh-TW" altLang="en-US" smtClean="0"/>
-              <a:t>2024/11/9</a:t>
+              <a:t>2024/11/20</a:t>
             </a:fld>
             <a:endParaRPr lang="zh-TW" altLang="en-US"/>
           </a:p>
@@ -12291,7 +12718,7 @@
           <a:p>
             <a:fld id="{968F73EE-8185-4088-B27C-B2EBD84A59E6}" type="datetimeFigureOut">
               <a:rPr lang="zh-TW" altLang="en-US" smtClean="0"/>
-              <a:t>2024/11/9</a:t>
+              <a:t>2024/11/20</a:t>
             </a:fld>
             <a:endParaRPr lang="zh-TW" altLang="en-US"/>
           </a:p>
@@ -12932,7 +13359,7 @@
             <p:ph idx="1"/>
             <p:extLst>
               <p:ext uri="{D42A27DB-BD31-4B8C-83A1-F6EECF244321}">
-                <p14:modId xmlns:p14="http://schemas.microsoft.com/office/powerpoint/2010/main" val="3314367251"/>
+                <p14:modId xmlns:p14="http://schemas.microsoft.com/office/powerpoint/2010/main" val="796160129"/>
               </p:ext>
             </p:extLst>
           </p:nvPr>
@@ -12961,7 +13388,7 @@
         </p:nvSpPr>
         <p:spPr>
           <a:xfrm>
-            <a:off x="5041784" y="3429000"/>
+            <a:off x="4127384" y="3429000"/>
             <a:ext cx="1862356" cy="230832"/>
           </a:xfrm>
           <a:prstGeom prst="rect">
@@ -13666,14 +14093,14 @@
             <p:ph idx="1"/>
             <p:extLst>
               <p:ext uri="{D42A27DB-BD31-4B8C-83A1-F6EECF244321}">
-                <p14:modId xmlns:p14="http://schemas.microsoft.com/office/powerpoint/2010/main" val="1507629994"/>
+                <p14:modId xmlns:p14="http://schemas.microsoft.com/office/powerpoint/2010/main" val="2267140539"/>
               </p:ext>
             </p:extLst>
           </p:nvPr>
         </p:nvGraphicFramePr>
         <p:xfrm>
           <a:off x="838200" y="1825625"/>
-          <a:ext cx="10515599" cy="2667000"/>
+          <a:ext cx="10515599" cy="2392680"/>
         </p:xfrm>
         <a:graphic>
           <a:graphicData uri="http://schemas.openxmlformats.org/drawingml/2006/table">
@@ -13751,8 +14178,8 @@
                     <a:lstStyle/>
                     <a:p>
                       <a:r>
-                        <a:rPr lang="en-US" altLang="zh-TW" dirty="0" err="1"/>
-                        <a:t>numpy.histogram</a:t>
+                        <a:rPr lang="en-US" altLang="zh-TW"/>
+                        <a:t>histogram</a:t>
                       </a:r>
                       <a:r>
                         <a:rPr lang="en-US" altLang="zh-TW" dirty="0"/>
@@ -13946,38 +14373,6 @@
                   <a:txBody>
                     <a:bodyPr/>
                     <a:lstStyle/>
-                    <a:p>
-                      <a:r>
-                        <a:rPr lang="en-US" altLang="zh-TW" dirty="0"/>
-                        <a:t>P:</a:t>
-                      </a:r>
-                      <a:r>
-                        <a:rPr lang="en-US" altLang="zh-TW" dirty="0">
-                          <a:sym typeface="Wingdings" panose="05000000000000000000" pitchFamily="2" charset="2"/>
-                        </a:rPr>
-                        <a:t>LBP </a:t>
-                      </a:r>
-                      <a:r>
-                        <a:rPr lang="zh-TW" altLang="en-US" dirty="0">
-                          <a:sym typeface="Wingdings" panose="05000000000000000000" pitchFamily="2" charset="2"/>
-                        </a:rPr>
-                        <a:t>矩陣邊長</a:t>
-                      </a:r>
-                      <a:endParaRPr lang="en-US" altLang="zh-TW" dirty="0">
-                        <a:sym typeface="Wingdings" panose="05000000000000000000" pitchFamily="2" charset="2"/>
-                      </a:endParaRPr>
-                    </a:p>
-                    <a:p>
-                      <a:r>
-                        <a:rPr lang="en-US" altLang="zh-TW" dirty="0"/>
-                        <a:t>R:LBP</a:t>
-                      </a:r>
-                      <a:r>
-                        <a:rPr lang="zh-TW" altLang="en-US" dirty="0"/>
-                        <a:t> 矩陣半徑</a:t>
-                      </a:r>
-                      <a:endParaRPr lang="en-US" altLang="zh-TW" dirty="0"/>
-                    </a:p>
                     <a:p>
                       <a:r>
                         <a:rPr lang="en-US" altLang="zh-TW" dirty="0" err="1"/>
@@ -14176,6 +14571,662 @@
 </file>
 
 <file path=ppt/slides/slide6.xml><?xml version="1.0" encoding="utf-8"?>
+<p:sld xmlns:a="http://schemas.openxmlformats.org/drawingml/2006/main" xmlns:r="http://schemas.openxmlformats.org/officeDocument/2006/relationships" xmlns:p="http://schemas.openxmlformats.org/presentationml/2006/main">
+  <p:cSld>
+    <p:spTree>
+      <p:nvGrpSpPr>
+        <p:cNvPr id="1" name="">
+          <a:extLst>
+            <a:ext uri="{FF2B5EF4-FFF2-40B4-BE49-F238E27FC236}">
+              <a16:creationId xmlns:a16="http://schemas.microsoft.com/office/drawing/2014/main" id="{B8007261-F574-4E16-DF0F-038228EBC37E}"/>
+            </a:ext>
+          </a:extLst>
+        </p:cNvPr>
+        <p:cNvGrpSpPr/>
+        <p:nvPr/>
+      </p:nvGrpSpPr>
+      <p:grpSpPr>
+        <a:xfrm>
+          <a:off x="0" y="0"/>
+          <a:ext cx="0" cy="0"/>
+          <a:chOff x="0" y="0"/>
+          <a:chExt cx="0" cy="0"/>
+        </a:xfrm>
+      </p:grpSpPr>
+      <p:sp>
+        <p:nvSpPr>
+          <p:cNvPr id="2" name="標題 1">
+            <a:extLst>
+              <a:ext uri="{FF2B5EF4-FFF2-40B4-BE49-F238E27FC236}">
+                <a16:creationId xmlns:a16="http://schemas.microsoft.com/office/drawing/2014/main" id="{368C1846-A8A2-6221-116D-B0B26176E6A5}"/>
+              </a:ext>
+            </a:extLst>
+          </p:cNvPr>
+          <p:cNvSpPr>
+            <a:spLocks noGrp="1"/>
+          </p:cNvSpPr>
+          <p:nvPr>
+            <p:ph type="title"/>
+          </p:nvPr>
+        </p:nvSpPr>
+        <p:spPr/>
+        <p:txBody>
+          <a:bodyPr/>
+          <a:lstStyle/>
+          <a:p>
+            <a:r>
+              <a:rPr lang="en-US" altLang="zh-TW" dirty="0"/>
+              <a:t>API</a:t>
+            </a:r>
+            <a:endParaRPr lang="zh-TW" altLang="en-US" dirty="0"/>
+          </a:p>
+        </p:txBody>
+      </p:sp>
+      <p:graphicFrame>
+        <p:nvGraphicFramePr>
+          <p:cNvPr id="4" name="內容版面配置區 3">
+            <a:extLst>
+              <a:ext uri="{FF2B5EF4-FFF2-40B4-BE49-F238E27FC236}">
+                <a16:creationId xmlns:a16="http://schemas.microsoft.com/office/drawing/2014/main" id="{CB79DF94-2E92-5AFA-6B0C-3F0D97F01733}"/>
+              </a:ext>
+            </a:extLst>
+          </p:cNvPr>
+          <p:cNvGraphicFramePr>
+            <a:graphicFrameLocks noGrp="1"/>
+          </p:cNvGraphicFramePr>
+          <p:nvPr>
+            <p:ph idx="1"/>
+            <p:extLst>
+              <p:ext uri="{D42A27DB-BD31-4B8C-83A1-F6EECF244321}">
+                <p14:modId xmlns:p14="http://schemas.microsoft.com/office/powerpoint/2010/main" val="738337604"/>
+              </p:ext>
+            </p:extLst>
+          </p:nvPr>
+        </p:nvGraphicFramePr>
+        <p:xfrm>
+          <a:off x="838200" y="1825625"/>
+          <a:ext cx="10515599" cy="3210560"/>
+        </p:xfrm>
+        <a:graphic>
+          <a:graphicData uri="http://schemas.openxmlformats.org/drawingml/2006/table">
+            <a:tbl>
+              <a:tblPr firstRow="1" bandRow="1">
+                <a:tableStyleId>{5C22544A-7EE6-4342-B048-85BDC9FD1C3A}</a:tableStyleId>
+              </a:tblPr>
+              <a:tblGrid>
+                <a:gridCol w="1248391">
+                  <a:extLst>
+                    <a:ext uri="{9D8B030D-6E8A-4147-A177-3AD203B41FA5}">
+                      <a16:colId xmlns:a16="http://schemas.microsoft.com/office/drawing/2014/main" val="1228424138"/>
+                    </a:ext>
+                  </a:extLst>
+                </a:gridCol>
+                <a:gridCol w="4013763">
+                  <a:extLst>
+                    <a:ext uri="{9D8B030D-6E8A-4147-A177-3AD203B41FA5}">
+                      <a16:colId xmlns:a16="http://schemas.microsoft.com/office/drawing/2014/main" val="3524911578"/>
+                    </a:ext>
+                  </a:extLst>
+                </a:gridCol>
+                <a:gridCol w="5253445">
+                  <a:extLst>
+                    <a:ext uri="{9D8B030D-6E8A-4147-A177-3AD203B41FA5}">
+                      <a16:colId xmlns:a16="http://schemas.microsoft.com/office/drawing/2014/main" val="3413443215"/>
+                    </a:ext>
+                  </a:extLst>
+                </a:gridCol>
+              </a:tblGrid>
+              <a:tr h="370840">
+                <a:tc>
+                  <a:txBody>
+                    <a:bodyPr/>
+                    <a:lstStyle/>
+                    <a:p>
+                      <a:r>
+                        <a:rPr lang="en-US" altLang="zh-TW" dirty="0"/>
+                        <a:t>function</a:t>
+                      </a:r>
+                      <a:endParaRPr lang="zh-TW" altLang="en-US" dirty="0"/>
+                    </a:p>
+                  </a:txBody>
+                  <a:tcPr/>
+                </a:tc>
+                <a:tc>
+                  <a:txBody>
+                    <a:bodyPr/>
+                    <a:lstStyle/>
+                    <a:p>
+                      <a:r>
+                        <a:rPr lang="en-US" altLang="zh-TW" dirty="0"/>
+                        <a:t>HSV(</a:t>
+                      </a:r>
+                      <a:r>
+                        <a:rPr lang="zh-TW" altLang="en-US" dirty="0"/>
+                        <a:t>顏色過濾</a:t>
+                      </a:r>
+                      <a:r>
+                        <a:rPr lang="en-US" altLang="zh-TW" dirty="0"/>
+                        <a:t>)</a:t>
+                      </a:r>
+                      <a:endParaRPr lang="zh-TW" altLang="en-US" dirty="0"/>
+                    </a:p>
+                  </a:txBody>
+                  <a:tcPr/>
+                </a:tc>
+                <a:tc>
+                  <a:txBody>
+                    <a:bodyPr/>
+                    <a:lstStyle/>
+                    <a:p>
+                      <a:r>
+                        <a:rPr lang="en-US" altLang="zh-TW" sz="1800" b="1" kern="1200" dirty="0">
+                          <a:solidFill>
+                            <a:schemeClr val="lt1"/>
+                          </a:solidFill>
+                          <a:latin typeface="+mn-lt"/>
+                          <a:ea typeface="+mn-ea"/>
+                          <a:cs typeface="+mn-cs"/>
+                        </a:rPr>
+                        <a:t>morphology</a:t>
+                      </a:r>
+                      <a:r>
+                        <a:rPr lang="en-US" altLang="zh-TW" dirty="0"/>
+                        <a:t>(</a:t>
+                      </a:r>
+                      <a:r>
+                        <a:rPr lang="zh-TW" altLang="en-US" dirty="0"/>
+                        <a:t>形態學</a:t>
+                      </a:r>
+                      <a:r>
+                        <a:rPr lang="en-US" altLang="zh-TW" dirty="0"/>
+                        <a:t>)</a:t>
+                      </a:r>
+                      <a:endParaRPr lang="zh-TW" altLang="en-US" dirty="0"/>
+                    </a:p>
+                  </a:txBody>
+                  <a:tcPr/>
+                </a:tc>
+                <a:extLst>
+                  <a:ext uri="{0D108BD9-81ED-4DB2-BD59-A6C34878D82A}">
+                    <a16:rowId xmlns:a16="http://schemas.microsoft.com/office/drawing/2014/main" val="954749445"/>
+                  </a:ext>
+                </a:extLst>
+              </a:tr>
+              <a:tr h="370840">
+                <a:tc>
+                  <a:txBody>
+                    <a:bodyPr/>
+                    <a:lstStyle/>
+                    <a:p>
+                      <a:r>
+                        <a:rPr lang="en-US" altLang="zh-TW" dirty="0"/>
+                        <a:t>Input</a:t>
+                      </a:r>
+                      <a:endParaRPr lang="zh-TW" altLang="en-US" dirty="0"/>
+                    </a:p>
+                  </a:txBody>
+                  <a:tcPr/>
+                </a:tc>
+                <a:tc>
+                  <a:txBody>
+                    <a:bodyPr/>
+                    <a:lstStyle/>
+                    <a:p>
+                      <a:r>
+                        <a:rPr lang="en-US" altLang="zh-TW" dirty="0" err="1"/>
+                        <a:t>Img</a:t>
+                      </a:r>
+                      <a:r>
+                        <a:rPr lang="en-US" altLang="zh-TW" dirty="0"/>
+                        <a:t>(</a:t>
+                      </a:r>
+                      <a:r>
+                        <a:rPr lang="zh-TW" altLang="en-US" dirty="0"/>
+                        <a:t>原始圖像</a:t>
+                      </a:r>
+                      <a:r>
+                        <a:rPr lang="en-US" altLang="zh-TW" dirty="0"/>
+                        <a:t>)</a:t>
+                      </a:r>
+                    </a:p>
+                    <a:p>
+                      <a:pPr marL="0" marR="0" lvl="0" indent="0" algn="l" defTabSz="914400" rtl="0" eaLnBrk="1" fontAlgn="auto" latinLnBrk="0" hangingPunct="1">
+                        <a:lnSpc>
+                          <a:spcPct val="100000"/>
+                        </a:lnSpc>
+                        <a:spcBef>
+                          <a:spcPts val="0"/>
+                        </a:spcBef>
+                        <a:spcAft>
+                          <a:spcPts val="0"/>
+                        </a:spcAft>
+                        <a:buClrTx/>
+                        <a:buSzTx/>
+                        <a:buFontTx/>
+                        <a:buNone/>
+                        <a:tabLst/>
+                        <a:defRPr/>
+                      </a:pPr>
+                      <a:r>
+                        <a:rPr lang="en-US" altLang="zh-TW" dirty="0" err="1"/>
+                        <a:t>sobel_img</a:t>
+                      </a:r>
+                      <a:r>
+                        <a:rPr lang="en-US" altLang="zh-TW" dirty="0"/>
+                        <a:t>(</a:t>
+                      </a:r>
+                      <a:r>
+                        <a:rPr lang="zh-TW" altLang="en-US" dirty="0"/>
+                        <a:t>具</a:t>
+                      </a:r>
+                      <a:r>
+                        <a:rPr lang="en-US" altLang="zh-TW" dirty="0"/>
+                        <a:t>x</a:t>
+                      </a:r>
+                      <a:r>
+                        <a:rPr lang="zh-TW" altLang="en-US" dirty="0"/>
+                        <a:t>和</a:t>
+                      </a:r>
+                      <a:r>
+                        <a:rPr lang="en-US" altLang="zh-TW" dirty="0"/>
+                        <a:t>y</a:t>
+                      </a:r>
+                      <a:r>
+                        <a:rPr lang="zh-TW" altLang="en-US" dirty="0"/>
+                        <a:t>的邊緣強度的圖</a:t>
+                      </a:r>
+                      <a:r>
+                        <a:rPr lang="en-US" altLang="zh-TW" dirty="0"/>
+                        <a:t>)</a:t>
+                      </a:r>
+                      <a:endParaRPr lang="zh-TW" altLang="en-US" dirty="0"/>
+                    </a:p>
+                    <a:p>
+                      <a:pPr marL="0" marR="0" lvl="0" indent="0" algn="l" defTabSz="914400" rtl="0" eaLnBrk="1" fontAlgn="auto" latinLnBrk="0" hangingPunct="1">
+                        <a:lnSpc>
+                          <a:spcPct val="100000"/>
+                        </a:lnSpc>
+                        <a:spcBef>
+                          <a:spcPts val="0"/>
+                        </a:spcBef>
+                        <a:spcAft>
+                          <a:spcPts val="0"/>
+                        </a:spcAft>
+                        <a:buClrTx/>
+                        <a:buSzTx/>
+                        <a:buFontTx/>
+                        <a:buNone/>
+                        <a:tabLst/>
+                        <a:defRPr/>
+                      </a:pPr>
+                      <a:r>
+                        <a:rPr lang="en-US" altLang="zh-TW" dirty="0" err="1"/>
+                        <a:t>lbp_edges</a:t>
+                      </a:r>
+                      <a:r>
+                        <a:rPr lang="en-US" altLang="zh-TW" dirty="0"/>
+                        <a:t>(LBP </a:t>
+                      </a:r>
+                      <a:r>
+                        <a:rPr lang="zh-TW" altLang="en-US" dirty="0"/>
+                        <a:t>編碼圖像</a:t>
+                      </a:r>
+                      <a:r>
+                        <a:rPr lang="en-US" altLang="zh-TW" dirty="0"/>
+                        <a:t>)</a:t>
+                      </a:r>
+                      <a:endParaRPr lang="zh-TW" altLang="en-US" dirty="0"/>
+                    </a:p>
+                  </a:txBody>
+                  <a:tcPr/>
+                </a:tc>
+                <a:tc>
+                  <a:txBody>
+                    <a:bodyPr/>
+                    <a:lstStyle/>
+                    <a:p>
+                      <a:r>
+                        <a:rPr lang="en-US" altLang="zh-TW" dirty="0" err="1"/>
+                        <a:t>Hsv_img</a:t>
+                      </a:r>
+                      <a:r>
+                        <a:rPr lang="en-US" altLang="zh-TW" dirty="0"/>
+                        <a:t>(</a:t>
+                      </a:r>
+                      <a:r>
+                        <a:rPr lang="zh-TW" altLang="en-US" dirty="0"/>
+                        <a:t>過濾圖像</a:t>
+                      </a:r>
+                      <a:r>
+                        <a:rPr lang="en-US" altLang="zh-TW" dirty="0"/>
+                        <a:t>)</a:t>
+                      </a:r>
+                      <a:endParaRPr lang="zh-TW" altLang="en-US" dirty="0"/>
+                    </a:p>
+                  </a:txBody>
+                  <a:tcPr/>
+                </a:tc>
+                <a:extLst>
+                  <a:ext uri="{0D108BD9-81ED-4DB2-BD59-A6C34878D82A}">
+                    <a16:rowId xmlns:a16="http://schemas.microsoft.com/office/drawing/2014/main" val="882645134"/>
+                  </a:ext>
+                </a:extLst>
+              </a:tr>
+              <a:tr h="370840">
+                <a:tc>
+                  <a:txBody>
+                    <a:bodyPr/>
+                    <a:lstStyle/>
+                    <a:p>
+                      <a:r>
+                        <a:rPr lang="en-US" altLang="zh-TW" dirty="0" err="1"/>
+                        <a:t>Ouput</a:t>
+                      </a:r>
+                      <a:endParaRPr lang="zh-TW" altLang="en-US" dirty="0"/>
+                    </a:p>
+                  </a:txBody>
+                  <a:tcPr/>
+                </a:tc>
+                <a:tc>
+                  <a:txBody>
+                    <a:bodyPr/>
+                    <a:lstStyle/>
+                    <a:p>
+                      <a:r>
+                        <a:rPr lang="en-US" altLang="zh-TW" dirty="0" err="1"/>
+                        <a:t>Hsv_img</a:t>
+                      </a:r>
+                      <a:r>
+                        <a:rPr lang="en-US" altLang="zh-TW" dirty="0"/>
+                        <a:t>(</a:t>
+                      </a:r>
+                      <a:r>
+                        <a:rPr lang="zh-TW" altLang="en-US" dirty="0"/>
+                        <a:t>過濾圖像</a:t>
+                      </a:r>
+                      <a:r>
+                        <a:rPr lang="en-US" altLang="zh-TW" dirty="0"/>
+                        <a:t>)</a:t>
+                      </a:r>
+                      <a:endParaRPr lang="zh-TW" altLang="en-US" dirty="0"/>
+                    </a:p>
+                  </a:txBody>
+                  <a:tcPr/>
+                </a:tc>
+                <a:tc>
+                  <a:txBody>
+                    <a:bodyPr/>
+                    <a:lstStyle/>
+                    <a:p>
+                      <a:r>
+                        <a:rPr lang="en-US" altLang="zh-TW" sz="1800" b="0" kern="1200" dirty="0" err="1">
+                          <a:solidFill>
+                            <a:schemeClr val="tx1"/>
+                          </a:solidFill>
+                          <a:latin typeface="+mn-lt"/>
+                          <a:ea typeface="+mn-ea"/>
+                          <a:cs typeface="+mn-cs"/>
+                        </a:rPr>
+                        <a:t>morphology</a:t>
+                      </a:r>
+                      <a:r>
+                        <a:rPr lang="en-US" altLang="zh-TW" dirty="0" err="1"/>
+                        <a:t>_img</a:t>
+                      </a:r>
+                      <a:r>
+                        <a:rPr lang="en-US" altLang="zh-TW" dirty="0"/>
+                        <a:t>(</a:t>
+                      </a:r>
+                      <a:r>
+                        <a:rPr lang="zh-TW" altLang="en-US" dirty="0"/>
+                        <a:t>經形態學填補小洞的圖</a:t>
+                      </a:r>
+                      <a:r>
+                        <a:rPr lang="en-US" altLang="zh-TW" dirty="0"/>
+                        <a:t>)</a:t>
+                      </a:r>
+                      <a:endParaRPr lang="zh-TW" altLang="en-US" dirty="0"/>
+                    </a:p>
+                  </a:txBody>
+                  <a:tcPr/>
+                </a:tc>
+                <a:extLst>
+                  <a:ext uri="{0D108BD9-81ED-4DB2-BD59-A6C34878D82A}">
+                    <a16:rowId xmlns:a16="http://schemas.microsoft.com/office/drawing/2014/main" val="3156556098"/>
+                  </a:ext>
+                </a:extLst>
+              </a:tr>
+              <a:tr h="370840">
+                <a:tc>
+                  <a:txBody>
+                    <a:bodyPr/>
+                    <a:lstStyle/>
+                    <a:p>
+                      <a:r>
+                        <a:rPr lang="en-US" altLang="zh-TW" dirty="0"/>
+                        <a:t>Parameters</a:t>
+                      </a:r>
+                      <a:endParaRPr lang="zh-TW" altLang="en-US" dirty="0"/>
+                    </a:p>
+                  </a:txBody>
+                  <a:tcPr/>
+                </a:tc>
+                <a:tc>
+                  <a:txBody>
+                    <a:bodyPr/>
+                    <a:lstStyle/>
+                    <a:p>
+                      <a:r>
+                        <a:rPr lang="en-US" altLang="zh-TW" dirty="0" err="1"/>
+                        <a:t>src</a:t>
+                      </a:r>
+                      <a:r>
+                        <a:rPr lang="en-US" altLang="zh-TW" dirty="0"/>
+                        <a:t>(</a:t>
+                      </a:r>
+                      <a:r>
+                        <a:rPr lang="zh-TW" altLang="en-US" dirty="0"/>
+                        <a:t>原始圖像</a:t>
+                      </a:r>
+                      <a:r>
+                        <a:rPr lang="en-US" altLang="zh-TW" dirty="0"/>
+                        <a:t>)</a:t>
+                      </a:r>
+                    </a:p>
+                    <a:p>
+                      <a:r>
+                        <a:rPr lang="en-US" altLang="zh-TW" dirty="0" err="1"/>
+                        <a:t>Src</a:t>
+                      </a:r>
+                      <a:r>
+                        <a:rPr lang="en-US" altLang="zh-TW" dirty="0"/>
+                        <a:t>(</a:t>
+                      </a:r>
+                      <a:r>
+                        <a:rPr lang="zh-TW" altLang="en-US" dirty="0"/>
+                        <a:t>具</a:t>
+                      </a:r>
+                      <a:r>
+                        <a:rPr lang="en-US" altLang="zh-TW" dirty="0"/>
+                        <a:t>x</a:t>
+                      </a:r>
+                      <a:r>
+                        <a:rPr lang="zh-TW" altLang="en-US" dirty="0"/>
+                        <a:t>和</a:t>
+                      </a:r>
+                      <a:r>
+                        <a:rPr lang="en-US" altLang="zh-TW" dirty="0"/>
+                        <a:t>y</a:t>
+                      </a:r>
+                      <a:r>
+                        <a:rPr lang="zh-TW" altLang="en-US" dirty="0"/>
+                        <a:t>的邊緣強度的圖</a:t>
+                      </a:r>
+                      <a:r>
+                        <a:rPr lang="en-US" altLang="zh-TW" dirty="0"/>
+                        <a:t>)</a:t>
+                      </a:r>
+                    </a:p>
+                    <a:p>
+                      <a:r>
+                        <a:rPr lang="en-US" altLang="zh-TW" dirty="0" err="1"/>
+                        <a:t>Src</a:t>
+                      </a:r>
+                      <a:r>
+                        <a:rPr lang="en-US" altLang="zh-TW" dirty="0"/>
+                        <a:t>(LBP </a:t>
+                      </a:r>
+                      <a:r>
+                        <a:rPr lang="zh-TW" altLang="en-US" dirty="0"/>
+                        <a:t>編碼圖像</a:t>
+                      </a:r>
+                      <a:r>
+                        <a:rPr lang="en-US" altLang="zh-TW" dirty="0"/>
+                        <a:t>)</a:t>
+                      </a:r>
+                      <a:endParaRPr lang="zh-TW" altLang="en-US" dirty="0"/>
+                    </a:p>
+                  </a:txBody>
+                  <a:tcPr/>
+                </a:tc>
+                <a:tc>
+                  <a:txBody>
+                    <a:bodyPr/>
+                    <a:lstStyle/>
+                    <a:p>
+                      <a:r>
+                        <a:rPr lang="en-US" altLang="zh-TW" dirty="0" err="1"/>
+                        <a:t>src</a:t>
+                      </a:r>
+                      <a:r>
+                        <a:rPr lang="en-US" altLang="zh-TW" dirty="0"/>
+                        <a:t>(</a:t>
+                      </a:r>
+                      <a:r>
+                        <a:rPr lang="zh-TW" altLang="en-US" dirty="0"/>
+                        <a:t>過濾圖像</a:t>
+                      </a:r>
+                      <a:r>
+                        <a:rPr lang="en-US" altLang="zh-TW" dirty="0"/>
+                        <a:t>)</a:t>
+                      </a:r>
+                    </a:p>
+                  </a:txBody>
+                  <a:tcPr/>
+                </a:tc>
+                <a:extLst>
+                  <a:ext uri="{0D108BD9-81ED-4DB2-BD59-A6C34878D82A}">
+                    <a16:rowId xmlns:a16="http://schemas.microsoft.com/office/drawing/2014/main" val="2495320641"/>
+                  </a:ext>
+                </a:extLst>
+              </a:tr>
+              <a:tr h="370840">
+                <a:tc>
+                  <a:txBody>
+                    <a:bodyPr/>
+                    <a:lstStyle/>
+                    <a:p>
+                      <a:pPr marL="0" marR="0" lvl="0" indent="0" algn="l" defTabSz="914400" rtl="0" eaLnBrk="1" fontAlgn="auto" latinLnBrk="0" hangingPunct="1">
+                        <a:lnSpc>
+                          <a:spcPct val="100000"/>
+                        </a:lnSpc>
+                        <a:spcBef>
+                          <a:spcPts val="0"/>
+                        </a:spcBef>
+                        <a:spcAft>
+                          <a:spcPts val="0"/>
+                        </a:spcAft>
+                        <a:buClrTx/>
+                        <a:buSzTx/>
+                        <a:buFontTx/>
+                        <a:buNone/>
+                        <a:tabLst/>
+                        <a:defRPr/>
+                      </a:pPr>
+                      <a:r>
+                        <a:rPr lang="en-US" altLang="zh-TW" dirty="0"/>
+                        <a:t>Method</a:t>
+                      </a:r>
+                      <a:endParaRPr lang="zh-TW" altLang="en-US" dirty="0"/>
+                    </a:p>
+                  </a:txBody>
+                  <a:tcPr/>
+                </a:tc>
+                <a:tc>
+                  <a:txBody>
+                    <a:bodyPr/>
+                    <a:lstStyle/>
+                    <a:p>
+                      <a:pPr marL="0" marR="0" lvl="0" indent="0" algn="l" defTabSz="914400" rtl="0" eaLnBrk="1" fontAlgn="auto" latinLnBrk="0" hangingPunct="1">
+                        <a:lnSpc>
+                          <a:spcPct val="100000"/>
+                        </a:lnSpc>
+                        <a:spcBef>
+                          <a:spcPts val="0"/>
+                        </a:spcBef>
+                        <a:spcAft>
+                          <a:spcPts val="0"/>
+                        </a:spcAft>
+                        <a:buClrTx/>
+                        <a:buSzTx/>
+                        <a:buFontTx/>
+                        <a:buNone/>
+                        <a:tabLst/>
+                        <a:defRPr/>
+                      </a:pPr>
+                      <a:r>
+                        <a:rPr lang="zh-TW" altLang="en-US" dirty="0"/>
+                        <a:t>透過</a:t>
+                      </a:r>
+                      <a:r>
+                        <a:rPr lang="en-US" altLang="zh-TW" dirty="0" err="1"/>
+                        <a:t>hsv</a:t>
+                      </a:r>
+                      <a:r>
+                        <a:rPr lang="zh-TW" altLang="en-US" dirty="0"/>
+                        <a:t>進行顏色過濾以確保顏色不會著色在不可能是馬路的顏色上</a:t>
+                      </a:r>
+                    </a:p>
+                  </a:txBody>
+                  <a:tcPr/>
+                </a:tc>
+                <a:tc>
+                  <a:txBody>
+                    <a:bodyPr/>
+                    <a:lstStyle/>
+                    <a:p>
+                      <a:r>
+                        <a:rPr lang="zh-TW" altLang="en-US" dirty="0"/>
+                        <a:t>透過形態學來處理未著色完整的馬路。</a:t>
+                      </a:r>
+                    </a:p>
+                  </a:txBody>
+                  <a:tcPr/>
+                </a:tc>
+                <a:extLst>
+                  <a:ext uri="{0D108BD9-81ED-4DB2-BD59-A6C34878D82A}">
+                    <a16:rowId xmlns:a16="http://schemas.microsoft.com/office/drawing/2014/main" val="2416215558"/>
+                  </a:ext>
+                </a:extLst>
+              </a:tr>
+            </a:tbl>
+          </a:graphicData>
+        </a:graphic>
+      </p:graphicFrame>
+    </p:spTree>
+    <p:extLst>
+      <p:ext uri="{BB962C8B-B14F-4D97-AF65-F5344CB8AC3E}">
+        <p14:creationId xmlns:p14="http://schemas.microsoft.com/office/powerpoint/2010/main" val="3553894667"/>
+      </p:ext>
+    </p:extLst>
+  </p:cSld>
+  <p:clrMapOvr>
+    <a:masterClrMapping/>
+  </p:clrMapOvr>
+</p:sld>
+</file>
+
+<file path=ppt/slides/slide7.xml><?xml version="1.0" encoding="utf-8"?>
 <p:sld xmlns:a="http://schemas.openxmlformats.org/drawingml/2006/main" xmlns:r="http://schemas.openxmlformats.org/officeDocument/2006/relationships" xmlns:p="http://schemas.openxmlformats.org/presentationml/2006/main">
   <p:cSld>
     <p:spTree>
@@ -14237,14 +15288,14 @@
             <p:ph idx="1"/>
             <p:extLst>
               <p:ext uri="{D42A27DB-BD31-4B8C-83A1-F6EECF244321}">
-                <p14:modId xmlns:p14="http://schemas.microsoft.com/office/powerpoint/2010/main" val="2118317724"/>
+                <p14:modId xmlns:p14="http://schemas.microsoft.com/office/powerpoint/2010/main" val="2816182178"/>
               </p:ext>
             </p:extLst>
           </p:nvPr>
         </p:nvGraphicFramePr>
         <p:xfrm>
           <a:off x="838199" y="1825625"/>
-          <a:ext cx="10515600" cy="2931160"/>
+          <a:ext cx="10515600" cy="2661920"/>
         </p:xfrm>
         <a:graphic>
           <a:graphicData uri="http://schemas.openxmlformats.org/drawingml/2006/table">
@@ -14401,19 +15452,15 @@
                       </a:r>
                       <a:r>
                         <a:rPr lang="zh-TW" altLang="en-US" dirty="0"/>
-                        <a:t>直方圖</a:t>
-                      </a:r>
-                      <a:r>
-                        <a:rPr lang="en-US" altLang="zh-TW" dirty="0"/>
-                        <a:t>1),Histogram2(</a:t>
-                      </a:r>
-                      <a:r>
-                        <a:rPr lang="zh-TW" altLang="en-US" dirty="0"/>
-                        <a:t>直方圖</a:t>
-                      </a:r>
-                      <a:r>
-                        <a:rPr lang="en-US" altLang="zh-TW" dirty="0"/>
-                        <a:t>2)</a:t>
+                        <a:t>直</a:t>
+                      </a:r>
+                      <a:r>
+                        <a:rPr lang="zh-TW" altLang="en-US"/>
+                        <a:t>方圖</a:t>
+                      </a:r>
+                      <a:r>
+                        <a:rPr lang="en-US" altLang="zh-TW"/>
+                        <a:t>)</a:t>
                       </a:r>
                       <a:endParaRPr lang="zh-TW" altLang="en-US" dirty="0"/>
                     </a:p>
@@ -14514,7 +15561,18 @@
                           <a:ea typeface="+mn-ea"/>
                           <a:cs typeface="+mn-cs"/>
                         </a:rPr>
-                        <a:t>兩個直方圖之間的歐氏距離</a:t>
+                        <a:t>兩個直方圖之間</a:t>
+                      </a:r>
+                      <a:r>
+                        <a:rPr lang="zh-TW" altLang="en-US" sz="1800" kern="1200" dirty="0">
+                          <a:solidFill>
+                            <a:schemeClr val="dk1"/>
+                          </a:solidFill>
+                          <a:latin typeface="+mn-lt"/>
+                          <a:ea typeface="+mn-ea"/>
+                          <a:cs typeface="+mn-cs"/>
+                        </a:rPr>
+                        <a:t>中心線距離</a:t>
                       </a:r>
                       <a:r>
                         <a:rPr lang="en-US" altLang="zh-TW" dirty="0"/>
@@ -14585,28 +15643,9 @@
                         <a:rPr lang="zh-TW" altLang="en-US" dirty="0"/>
                         <a:t>直方圖</a:t>
                       </a:r>
-                      <a:r>
-                        <a:rPr lang="en-US" altLang="zh-TW" dirty="0"/>
-                        <a:t>1</a:t>
-                      </a:r>
                       <a:endParaRPr lang="en-US" altLang="zh-TW" dirty="0">
                         <a:sym typeface="Wingdings" panose="05000000000000000000" pitchFamily="2" charset="2"/>
                       </a:endParaRPr>
-                    </a:p>
-                    <a:p>
-                      <a:r>
-                        <a:rPr lang="en-US" altLang="zh-TW" dirty="0"/>
-                        <a:t>src2:</a:t>
-                      </a:r>
-                      <a:r>
-                        <a:rPr lang="zh-TW" altLang="en-US" dirty="0"/>
-                        <a:t>直方圖</a:t>
-                      </a:r>
-                      <a:r>
-                        <a:rPr lang="en-US" altLang="zh-TW" dirty="0"/>
-                        <a:t>2</a:t>
-                      </a:r>
-                      <a:endParaRPr lang="zh-TW" altLang="en-US" dirty="0"/>
                     </a:p>
                   </a:txBody>
                   <a:tcPr/>
@@ -14697,8 +15736,20 @@
                     <a:p>
                       <a:r>
                         <a:rPr lang="zh-TW" altLang="en-US" dirty="0"/>
-                        <a:t>將兩個直方圖進行計算，已得出兩個直方圖的歐氏距離</a:t>
-                      </a:r>
+                        <a:t>將兩個直方圖進行計算，已得出兩個直方圖的</a:t>
+                      </a:r>
+                      <a:r>
+                        <a:rPr lang="zh-TW" altLang="en-US" sz="1800" kern="1200" dirty="0">
+                          <a:solidFill>
+                            <a:schemeClr val="dk1"/>
+                          </a:solidFill>
+                          <a:latin typeface="+mn-lt"/>
+                          <a:ea typeface="+mn-ea"/>
+                          <a:cs typeface="+mn-cs"/>
+                        </a:rPr>
+                        <a:t>中心線距離</a:t>
+                      </a:r>
+                      <a:endParaRPr lang="zh-TW" altLang="en-US" dirty="0"/>
                     </a:p>
                   </a:txBody>
                   <a:tcPr/>
@@ -14710,13 +15761,8 @@
                     <a:p>
                       <a:r>
                         <a:rPr lang="zh-TW" altLang="en-US" dirty="0"/>
-                        <a:t>通過閥值和歐氏距離</a:t>
-                      </a:r>
-                      <a:r>
-                        <a:rPr lang="zh-TW" altLang="en-US"/>
-                        <a:t>數值對比，來判斷圖像是否相似，如相似就著色，最後印出該圖象</a:t>
-                      </a:r>
-                      <a:endParaRPr lang="zh-TW" altLang="en-US" dirty="0"/>
+                        <a:t>通過閥值和歐氏距離數值對比，來判斷圖像是否相似，如相似就著色，最後印出該圖象</a:t>
+                      </a:r>
                     </a:p>
                   </a:txBody>
                   <a:tcPr/>
